--- a/Slides/Figures.pptx
+++ b/Slides/Figures.pptx
@@ -104,6 +104,11 @@
       </a:defRPr>
     </a:lvl9pPr>
   </p:defaultTextStyle>
+  <p:extLst>
+    <p:ext uri="{EFAFB233-063F-42B5-8137-9DF3F51BA10A}">
+      <p15:sldGuideLst xmlns:p15="http://schemas.microsoft.com/office/powerpoint/2012/main"/>
+    </p:ext>
+  </p:extLst>
 </p:presentation>
 </file>
 
@@ -238,7 +243,7 @@
           <a:p>
             <a:fld id="{F4EA1E63-6688-984B-99CA-2362B7452F59}" type="datetimeFigureOut">
               <a:rPr kumimoji="1" lang="ja-US" altLang="en-US" smtClean="0"/>
-              <a:t>4/7/25</a:t>
+              <a:t>4/27/25</a:t>
             </a:fld>
             <a:endParaRPr kumimoji="1" lang="ja-US" altLang="en-US"/>
           </a:p>
@@ -440,7 +445,7 @@
           <a:p>
             <a:fld id="{F4EA1E63-6688-984B-99CA-2362B7452F59}" type="datetimeFigureOut">
               <a:rPr kumimoji="1" lang="ja-US" altLang="en-US" smtClean="0"/>
-              <a:t>4/7/25</a:t>
+              <a:t>4/27/25</a:t>
             </a:fld>
             <a:endParaRPr kumimoji="1" lang="ja-US" altLang="en-US"/>
           </a:p>
@@ -652,7 +657,7 @@
           <a:p>
             <a:fld id="{F4EA1E63-6688-984B-99CA-2362B7452F59}" type="datetimeFigureOut">
               <a:rPr kumimoji="1" lang="ja-US" altLang="en-US" smtClean="0"/>
-              <a:t>4/7/25</a:t>
+              <a:t>4/27/25</a:t>
             </a:fld>
             <a:endParaRPr kumimoji="1" lang="ja-US" altLang="en-US"/>
           </a:p>
@@ -854,7 +859,7 @@
           <a:p>
             <a:fld id="{F4EA1E63-6688-984B-99CA-2362B7452F59}" type="datetimeFigureOut">
               <a:rPr kumimoji="1" lang="ja-US" altLang="en-US" smtClean="0"/>
-              <a:t>4/7/25</a:t>
+              <a:t>4/27/25</a:t>
             </a:fld>
             <a:endParaRPr kumimoji="1" lang="ja-US" altLang="en-US"/>
           </a:p>
@@ -1100,7 +1105,7 @@
           <a:p>
             <a:fld id="{F4EA1E63-6688-984B-99CA-2362B7452F59}" type="datetimeFigureOut">
               <a:rPr kumimoji="1" lang="ja-US" altLang="en-US" smtClean="0"/>
-              <a:t>4/7/25</a:t>
+              <a:t>4/27/25</a:t>
             </a:fld>
             <a:endParaRPr kumimoji="1" lang="ja-US" altLang="en-US"/>
           </a:p>
@@ -1396,7 +1401,7 @@
           <a:p>
             <a:fld id="{F4EA1E63-6688-984B-99CA-2362B7452F59}" type="datetimeFigureOut">
               <a:rPr kumimoji="1" lang="ja-US" altLang="en-US" smtClean="0"/>
-              <a:t>4/7/25</a:t>
+              <a:t>4/27/25</a:t>
             </a:fld>
             <a:endParaRPr kumimoji="1" lang="ja-US" altLang="en-US"/>
           </a:p>
@@ -1827,7 +1832,7 @@
           <a:p>
             <a:fld id="{F4EA1E63-6688-984B-99CA-2362B7452F59}" type="datetimeFigureOut">
               <a:rPr kumimoji="1" lang="ja-US" altLang="en-US" smtClean="0"/>
-              <a:t>4/7/25</a:t>
+              <a:t>4/27/25</a:t>
             </a:fld>
             <a:endParaRPr kumimoji="1" lang="ja-US" altLang="en-US"/>
           </a:p>
@@ -1945,7 +1950,7 @@
           <a:p>
             <a:fld id="{F4EA1E63-6688-984B-99CA-2362B7452F59}" type="datetimeFigureOut">
               <a:rPr kumimoji="1" lang="ja-US" altLang="en-US" smtClean="0"/>
-              <a:t>4/7/25</a:t>
+              <a:t>4/27/25</a:t>
             </a:fld>
             <a:endParaRPr kumimoji="1" lang="ja-US" altLang="en-US"/>
           </a:p>
@@ -2040,7 +2045,7 @@
           <a:p>
             <a:fld id="{F4EA1E63-6688-984B-99CA-2362B7452F59}" type="datetimeFigureOut">
               <a:rPr kumimoji="1" lang="ja-US" altLang="en-US" smtClean="0"/>
-              <a:t>4/7/25</a:t>
+              <a:t>4/27/25</a:t>
             </a:fld>
             <a:endParaRPr kumimoji="1" lang="ja-US" altLang="en-US"/>
           </a:p>
@@ -2349,7 +2354,7 @@
           <a:p>
             <a:fld id="{F4EA1E63-6688-984B-99CA-2362B7452F59}" type="datetimeFigureOut">
               <a:rPr kumimoji="1" lang="ja-US" altLang="en-US" smtClean="0"/>
-              <a:t>4/7/25</a:t>
+              <a:t>4/27/25</a:t>
             </a:fld>
             <a:endParaRPr kumimoji="1" lang="ja-US" altLang="en-US"/>
           </a:p>
@@ -2606,7 +2611,7 @@
           <a:p>
             <a:fld id="{F4EA1E63-6688-984B-99CA-2362B7452F59}" type="datetimeFigureOut">
               <a:rPr kumimoji="1" lang="ja-US" altLang="en-US" smtClean="0"/>
-              <a:t>4/7/25</a:t>
+              <a:t>4/27/25</a:t>
             </a:fld>
             <a:endParaRPr kumimoji="1" lang="ja-US" altLang="en-US"/>
           </a:p>
@@ -2851,7 +2856,7 @@
           <a:p>
             <a:fld id="{F4EA1E63-6688-984B-99CA-2362B7452F59}" type="datetimeFigureOut">
               <a:rPr kumimoji="1" lang="ja-US" altLang="en-US" smtClean="0"/>
-              <a:t>4/7/25</a:t>
+              <a:t>4/27/25</a:t>
             </a:fld>
             <a:endParaRPr kumimoji="1" lang="ja-US" altLang="en-US"/>
           </a:p>
@@ -3465,8 +3470,8 @@
             <a:chExt cx="1517698" cy="1624253"/>
           </a:xfrm>
         </p:grpSpPr>
-        <mc:AlternateContent xmlns:mc="http://schemas.openxmlformats.org/markup-compatibility/2006">
-          <mc:Choice xmlns:a14="http://schemas.microsoft.com/office/drawing/2010/main" Requires="a14">
+        <mc:AlternateContent xmlns:mc="http://schemas.openxmlformats.org/markup-compatibility/2006" xmlns:a14="http://schemas.microsoft.com/office/drawing/2010/main">
+          <mc:Choice Requires="a14">
             <p:sp>
               <p:nvSpPr>
                 <p:cNvPr id="23" name="テキスト ボックス 22">
@@ -3495,6 +3500,7 @@
                 </a:bodyPr>
                 <a:lstStyle/>
                 <a:p>
+                  <a:pPr/>
                   <a14:m>
                     <m:oMathPara xmlns:m="http://schemas.openxmlformats.org/officeDocument/2006/math">
                       <m:oMathParaPr>
@@ -3532,7 +3538,7 @@
               </p:txBody>
             </p:sp>
           </mc:Choice>
-          <mc:Fallback>
+          <mc:Fallback xmlns="">
             <p:sp>
               <p:nvSpPr>
                 <p:cNvPr id="23" name="テキスト ボックス 22">
@@ -3882,8 +3888,8 @@
               </a:fontRef>
             </p:style>
           </p:cxnSp>
-          <mc:AlternateContent xmlns:mc="http://schemas.openxmlformats.org/markup-compatibility/2006">
-            <mc:Choice xmlns:a14="http://schemas.microsoft.com/office/drawing/2010/main" Requires="a14">
+          <mc:AlternateContent xmlns:mc="http://schemas.openxmlformats.org/markup-compatibility/2006" xmlns:a14="http://schemas.microsoft.com/office/drawing/2010/main">
+            <mc:Choice Requires="a14">
               <p:sp>
                 <p:nvSpPr>
                   <p:cNvPr id="24" name="テキスト ボックス 23">
@@ -3912,6 +3918,7 @@
                   </a:bodyPr>
                   <a:lstStyle/>
                   <a:p>
+                    <a:pPr/>
                     <a14:m>
                       <m:oMathPara xmlns:m="http://schemas.openxmlformats.org/officeDocument/2006/math">
                         <m:oMathParaPr>
@@ -3949,7 +3956,7 @@
                 </p:txBody>
               </p:sp>
             </mc:Choice>
-            <mc:Fallback>
+            <mc:Fallback xmlns="">
               <p:sp>
                 <p:nvSpPr>
                   <p:cNvPr id="24" name="テキスト ボックス 23">
@@ -3994,8 +4001,8 @@
               </p:sp>
             </mc:Fallback>
           </mc:AlternateContent>
-          <mc:AlternateContent xmlns:mc="http://schemas.openxmlformats.org/markup-compatibility/2006">
-            <mc:Choice xmlns:a14="http://schemas.microsoft.com/office/drawing/2010/main" Requires="a14">
+          <mc:AlternateContent xmlns:mc="http://schemas.openxmlformats.org/markup-compatibility/2006" xmlns:a14="http://schemas.microsoft.com/office/drawing/2010/main">
+            <mc:Choice Requires="a14">
               <p:sp>
                 <p:nvSpPr>
                   <p:cNvPr id="25" name="テキスト ボックス 24">
@@ -4024,6 +4031,7 @@
                   </a:bodyPr>
                   <a:lstStyle/>
                   <a:p>
+                    <a:pPr/>
                     <a14:m>
                       <m:oMathPara xmlns:m="http://schemas.openxmlformats.org/officeDocument/2006/math">
                         <m:oMathParaPr>
@@ -4061,7 +4069,7 @@
                 </p:txBody>
               </p:sp>
             </mc:Choice>
-            <mc:Fallback>
+            <mc:Fallback xmlns="">
               <p:sp>
                 <p:nvSpPr>
                   <p:cNvPr id="25" name="テキスト ボックス 24">
@@ -4287,6 +4295,98 @@
                 <a:cs typeface="Times New Roman" panose="02020603050405020304" pitchFamily="18" charset="0"/>
               </a:rPr>
               <a:t>r</a:t>
+            </a:r>
+            <a:endParaRPr kumimoji="1" lang="ja-US" altLang="en-US" sz="1400" b="1" i="1" dirty="0">
+              <a:latin typeface="Times New Roman" panose="02020603050405020304" pitchFamily="18" charset="0"/>
+              <a:cs typeface="Times New Roman" panose="02020603050405020304" pitchFamily="18" charset="0"/>
+            </a:endParaRPr>
+          </a:p>
+        </p:txBody>
+      </p:sp>
+      <p:cxnSp>
+        <p:nvCxnSpPr>
+          <p:cNvPr id="2" name="直線矢印コネクタ 1">
+            <a:extLst>
+              <a:ext uri="{FF2B5EF4-FFF2-40B4-BE49-F238E27FC236}">
+                <a16:creationId xmlns:a16="http://schemas.microsoft.com/office/drawing/2014/main" id="{4AA1C835-5476-E663-4FF7-C88C4AA20088}"/>
+              </a:ext>
+            </a:extLst>
+          </p:cNvPr>
+          <p:cNvCxnSpPr>
+            <a:cxnSpLocks/>
+            <a:stCxn id="6" idx="1"/>
+            <a:endCxn id="29" idx="5"/>
+          </p:cNvCxnSpPr>
+          <p:nvPr/>
+        </p:nvCxnSpPr>
+        <p:spPr>
+          <a:xfrm flipH="1" flipV="1">
+            <a:off x="4560672" y="592597"/>
+            <a:ext cx="1278430" cy="1202249"/>
+          </a:xfrm>
+          <a:prstGeom prst="straightConnector1">
+            <a:avLst/>
+          </a:prstGeom>
+          <a:ln>
+            <a:tailEnd type="triangle"/>
+          </a:ln>
+        </p:spPr>
+        <p:style>
+          <a:lnRef idx="2">
+            <a:schemeClr val="dk1"/>
+          </a:lnRef>
+          <a:fillRef idx="0">
+            <a:schemeClr val="dk1"/>
+          </a:fillRef>
+          <a:effectRef idx="1">
+            <a:schemeClr val="dk1"/>
+          </a:effectRef>
+          <a:fontRef idx="minor">
+            <a:schemeClr val="tx1"/>
+          </a:fontRef>
+        </p:style>
+      </p:cxnSp>
+      <p:sp>
+        <p:nvSpPr>
+          <p:cNvPr id="7" name="テキスト ボックス 6">
+            <a:extLst>
+              <a:ext uri="{FF2B5EF4-FFF2-40B4-BE49-F238E27FC236}">
+                <a16:creationId xmlns:a16="http://schemas.microsoft.com/office/drawing/2014/main" id="{5C852BFD-7EFD-1399-0293-230235776F7B}"/>
+              </a:ext>
+            </a:extLst>
+          </p:cNvPr>
+          <p:cNvSpPr txBox="1"/>
+          <p:nvPr/>
+        </p:nvSpPr>
+        <p:spPr>
+          <a:xfrm flipH="1">
+            <a:off x="5034700" y="1154604"/>
+            <a:ext cx="455416" cy="215444"/>
+          </a:xfrm>
+          <a:prstGeom prst="rect">
+            <a:avLst/>
+          </a:prstGeom>
+          <a:noFill/>
+        </p:spPr>
+        <p:txBody>
+          <a:bodyPr wrap="square" lIns="0" tIns="0" rIns="0" bIns="0" rtlCol="0">
+            <a:spAutoFit/>
+          </a:bodyPr>
+          <a:lstStyle/>
+          <a:p>
+            <a:r>
+              <a:rPr kumimoji="1" lang="en-US" altLang="ja-US" sz="1400" b="1" i="1" dirty="0">
+                <a:latin typeface="Times New Roman" panose="02020603050405020304" pitchFamily="18" charset="0"/>
+                <a:cs typeface="Times New Roman" panose="02020603050405020304" pitchFamily="18" charset="0"/>
+              </a:rPr>
+              <a:t>r</a:t>
+            </a:r>
+            <a:r>
+              <a:rPr kumimoji="1" lang="en-US" altLang="ja-US" sz="1400" b="1" i="1" baseline="-25000" dirty="0">
+                <a:latin typeface="Times New Roman" panose="02020603050405020304" pitchFamily="18" charset="0"/>
+                <a:cs typeface="Times New Roman" panose="02020603050405020304" pitchFamily="18" charset="0"/>
+              </a:rPr>
+              <a:t>2</a:t>
             </a:r>
             <a:endParaRPr kumimoji="1" lang="ja-US" altLang="en-US" sz="1400" b="1" i="1" dirty="0">
               <a:latin typeface="Times New Roman" panose="02020603050405020304" pitchFamily="18" charset="0"/>

--- a/Slides/Figures.pptx
+++ b/Slides/Figures.pptx
@@ -243,7 +243,7 @@
           <a:p>
             <a:fld id="{F4EA1E63-6688-984B-99CA-2362B7452F59}" type="datetimeFigureOut">
               <a:rPr kumimoji="1" lang="ja-US" altLang="en-US" smtClean="0"/>
-              <a:t>4/27/25</a:t>
+              <a:t>9/18/25</a:t>
             </a:fld>
             <a:endParaRPr kumimoji="1" lang="ja-US" altLang="en-US"/>
           </a:p>
@@ -445,7 +445,7 @@
           <a:p>
             <a:fld id="{F4EA1E63-6688-984B-99CA-2362B7452F59}" type="datetimeFigureOut">
               <a:rPr kumimoji="1" lang="ja-US" altLang="en-US" smtClean="0"/>
-              <a:t>4/27/25</a:t>
+              <a:t>9/18/25</a:t>
             </a:fld>
             <a:endParaRPr kumimoji="1" lang="ja-US" altLang="en-US"/>
           </a:p>
@@ -657,7 +657,7 @@
           <a:p>
             <a:fld id="{F4EA1E63-6688-984B-99CA-2362B7452F59}" type="datetimeFigureOut">
               <a:rPr kumimoji="1" lang="ja-US" altLang="en-US" smtClean="0"/>
-              <a:t>4/27/25</a:t>
+              <a:t>9/18/25</a:t>
             </a:fld>
             <a:endParaRPr kumimoji="1" lang="ja-US" altLang="en-US"/>
           </a:p>
@@ -859,7 +859,7 @@
           <a:p>
             <a:fld id="{F4EA1E63-6688-984B-99CA-2362B7452F59}" type="datetimeFigureOut">
               <a:rPr kumimoji="1" lang="ja-US" altLang="en-US" smtClean="0"/>
-              <a:t>4/27/25</a:t>
+              <a:t>9/18/25</a:t>
             </a:fld>
             <a:endParaRPr kumimoji="1" lang="ja-US" altLang="en-US"/>
           </a:p>
@@ -1105,7 +1105,7 @@
           <a:p>
             <a:fld id="{F4EA1E63-6688-984B-99CA-2362B7452F59}" type="datetimeFigureOut">
               <a:rPr kumimoji="1" lang="ja-US" altLang="en-US" smtClean="0"/>
-              <a:t>4/27/25</a:t>
+              <a:t>9/18/25</a:t>
             </a:fld>
             <a:endParaRPr kumimoji="1" lang="ja-US" altLang="en-US"/>
           </a:p>
@@ -1401,7 +1401,7 @@
           <a:p>
             <a:fld id="{F4EA1E63-6688-984B-99CA-2362B7452F59}" type="datetimeFigureOut">
               <a:rPr kumimoji="1" lang="ja-US" altLang="en-US" smtClean="0"/>
-              <a:t>4/27/25</a:t>
+              <a:t>9/18/25</a:t>
             </a:fld>
             <a:endParaRPr kumimoji="1" lang="ja-US" altLang="en-US"/>
           </a:p>
@@ -1832,7 +1832,7 @@
           <a:p>
             <a:fld id="{F4EA1E63-6688-984B-99CA-2362B7452F59}" type="datetimeFigureOut">
               <a:rPr kumimoji="1" lang="ja-US" altLang="en-US" smtClean="0"/>
-              <a:t>4/27/25</a:t>
+              <a:t>9/18/25</a:t>
             </a:fld>
             <a:endParaRPr kumimoji="1" lang="ja-US" altLang="en-US"/>
           </a:p>
@@ -1950,7 +1950,7 @@
           <a:p>
             <a:fld id="{F4EA1E63-6688-984B-99CA-2362B7452F59}" type="datetimeFigureOut">
               <a:rPr kumimoji="1" lang="ja-US" altLang="en-US" smtClean="0"/>
-              <a:t>4/27/25</a:t>
+              <a:t>9/18/25</a:t>
             </a:fld>
             <a:endParaRPr kumimoji="1" lang="ja-US" altLang="en-US"/>
           </a:p>
@@ -2045,7 +2045,7 @@
           <a:p>
             <a:fld id="{F4EA1E63-6688-984B-99CA-2362B7452F59}" type="datetimeFigureOut">
               <a:rPr kumimoji="1" lang="ja-US" altLang="en-US" smtClean="0"/>
-              <a:t>4/27/25</a:t>
+              <a:t>9/18/25</a:t>
             </a:fld>
             <a:endParaRPr kumimoji="1" lang="ja-US" altLang="en-US"/>
           </a:p>
@@ -2354,7 +2354,7 @@
           <a:p>
             <a:fld id="{F4EA1E63-6688-984B-99CA-2362B7452F59}" type="datetimeFigureOut">
               <a:rPr kumimoji="1" lang="ja-US" altLang="en-US" smtClean="0"/>
-              <a:t>4/27/25</a:t>
+              <a:t>9/18/25</a:t>
             </a:fld>
             <a:endParaRPr kumimoji="1" lang="ja-US" altLang="en-US"/>
           </a:p>
@@ -2611,7 +2611,7 @@
           <a:p>
             <a:fld id="{F4EA1E63-6688-984B-99CA-2362B7452F59}" type="datetimeFigureOut">
               <a:rPr kumimoji="1" lang="ja-US" altLang="en-US" smtClean="0"/>
-              <a:t>4/27/25</a:t>
+              <a:t>9/18/25</a:t>
             </a:fld>
             <a:endParaRPr kumimoji="1" lang="ja-US" altLang="en-US"/>
           </a:p>
@@ -2856,7 +2856,7 @@
           <a:p>
             <a:fld id="{F4EA1E63-6688-984B-99CA-2362B7452F59}" type="datetimeFigureOut">
               <a:rPr kumimoji="1" lang="ja-US" altLang="en-US" smtClean="0"/>
-              <a:t>4/27/25</a:t>
+              <a:t>9/18/25</a:t>
             </a:fld>
             <a:endParaRPr kumimoji="1" lang="ja-US" altLang="en-US"/>
           </a:p>
@@ -3306,32 +3306,12 @@
           <a:lstStyle/>
           <a:p>
             <a:pPr algn="ctr"/>
-            <a:r>
-              <a:rPr kumimoji="1" lang="en-US" altLang="ja-US" sz="1400" i="1" dirty="0">
-                <a:solidFill>
-                  <a:sysClr val="windowText" lastClr="000000"/>
-                </a:solidFill>
-                <a:latin typeface="Times New Roman" panose="02020603050405020304" pitchFamily="18" charset="0"/>
-                <a:cs typeface="Times New Roman" panose="02020603050405020304" pitchFamily="18" charset="0"/>
-              </a:rPr>
-              <a:t>m</a:t>
-            </a:r>
-            <a:r>
-              <a:rPr kumimoji="1" lang="en-US" altLang="ja-US" sz="1400" i="1" baseline="-25000" dirty="0">
-                <a:solidFill>
-                  <a:sysClr val="windowText" lastClr="000000"/>
-                </a:solidFill>
-                <a:latin typeface="Times New Roman" panose="02020603050405020304" pitchFamily="18" charset="0"/>
-                <a:cs typeface="Times New Roman" panose="02020603050405020304" pitchFamily="18" charset="0"/>
-              </a:rPr>
-              <a:t>1</a:t>
-            </a:r>
-            <a:endParaRPr kumimoji="1" lang="ja-US" altLang="en-US" sz="1400" i="1" dirty="0">
+            <a:endParaRPr kumimoji="1" lang="ja-US" altLang="en-US" sz="1400" dirty="0">
               <a:solidFill>
                 <a:sysClr val="windowText" lastClr="000000"/>
               </a:solidFill>
-              <a:latin typeface="Times New Roman" panose="02020603050405020304" pitchFamily="18" charset="0"/>
-              <a:cs typeface="Times New Roman" panose="02020603050405020304" pitchFamily="18" charset="0"/>
+              <a:latin typeface="CMU Serif Roman" panose="02000603000000000000" pitchFamily="2" charset="0"/>
+              <a:cs typeface="CMU Serif Roman" panose="02000603000000000000" pitchFamily="2" charset="0"/>
             </a:endParaRPr>
           </a:p>
         </p:txBody>
@@ -3381,32 +3361,12 @@
           <a:lstStyle/>
           <a:p>
             <a:pPr algn="ctr"/>
-            <a:r>
-              <a:rPr kumimoji="1" lang="en-US" altLang="ja-US" sz="1400" i="1" dirty="0">
-                <a:solidFill>
-                  <a:sysClr val="windowText" lastClr="000000"/>
-                </a:solidFill>
-                <a:latin typeface="Times New Roman" panose="02020603050405020304" pitchFamily="18" charset="0"/>
-                <a:cs typeface="Times New Roman" panose="02020603050405020304" pitchFamily="18" charset="0"/>
-              </a:rPr>
-              <a:t>m</a:t>
-            </a:r>
-            <a:r>
-              <a:rPr kumimoji="1" lang="en-US" altLang="ja-US" sz="1400" i="1" baseline="-25000" dirty="0">
-                <a:solidFill>
-                  <a:sysClr val="windowText" lastClr="000000"/>
-                </a:solidFill>
-                <a:latin typeface="Times New Roman" panose="02020603050405020304" pitchFamily="18" charset="0"/>
-                <a:cs typeface="Times New Roman" panose="02020603050405020304" pitchFamily="18" charset="0"/>
-              </a:rPr>
-              <a:t>2</a:t>
-            </a:r>
-            <a:endParaRPr kumimoji="1" lang="ja-US" altLang="en-US" sz="1400" i="1" dirty="0">
+            <a:endParaRPr kumimoji="1" lang="ja-US" altLang="en-US" sz="1400" dirty="0">
               <a:solidFill>
                 <a:sysClr val="windowText" lastClr="000000"/>
               </a:solidFill>
-              <a:latin typeface="Times New Roman" panose="02020603050405020304" pitchFamily="18" charset="0"/>
-              <a:cs typeface="Times New Roman" panose="02020603050405020304" pitchFamily="18" charset="0"/>
+              <a:latin typeface="CMU Serif Roman" panose="02000603000000000000" pitchFamily="2" charset="0"/>
+              <a:cs typeface="CMU Serif Roman" panose="02000603000000000000" pitchFamily="2" charset="0"/>
             </a:endParaRPr>
           </a:p>
         </p:txBody>
@@ -3452,10 +3412,10 @@
       </p:cxnSp>
       <p:grpSp>
         <p:nvGrpSpPr>
-          <p:cNvPr id="28" name="グループ化 27">
+          <p:cNvPr id="27" name="グループ化 26">
             <a:extLst>
               <a:ext uri="{FF2B5EF4-FFF2-40B4-BE49-F238E27FC236}">
-                <a16:creationId xmlns:a16="http://schemas.microsoft.com/office/drawing/2014/main" id="{8F953156-E83E-5826-8845-16F63CEF9BA6}"/>
+                <a16:creationId xmlns:a16="http://schemas.microsoft.com/office/drawing/2014/main" id="{CAC354A9-AB82-D7BA-6063-73FAB1D732FD}"/>
               </a:ext>
             </a:extLst>
           </p:cNvPr>
@@ -3464,151 +3424,40 @@
         </p:nvGrpSpPr>
         <p:grpSpPr>
           <a:xfrm>
-            <a:off x="1934320" y="821408"/>
-            <a:ext cx="1517698" cy="1624253"/>
-            <a:chOff x="2379606" y="822960"/>
-            <a:chExt cx="1517698" cy="1624253"/>
+            <a:off x="2097474" y="912848"/>
+            <a:ext cx="1259219" cy="1257300"/>
+            <a:chOff x="2542760" y="914400"/>
+            <a:chExt cx="1259219" cy="1257300"/>
           </a:xfrm>
         </p:grpSpPr>
-        <mc:AlternateContent xmlns:mc="http://schemas.openxmlformats.org/markup-compatibility/2006" xmlns:a14="http://schemas.microsoft.com/office/drawing/2010/main">
-          <mc:Choice Requires="a14">
-            <p:sp>
-              <p:nvSpPr>
-                <p:cNvPr id="23" name="テキスト ボックス 22">
-                  <a:extLst>
-                    <a:ext uri="{FF2B5EF4-FFF2-40B4-BE49-F238E27FC236}">
-                      <a16:creationId xmlns:a16="http://schemas.microsoft.com/office/drawing/2014/main" id="{20AFC1E3-476E-7315-EDC0-1CEA8CF17AE1}"/>
-                    </a:ext>
-                  </a:extLst>
-                </p:cNvPr>
-                <p:cNvSpPr txBox="1"/>
-                <p:nvPr/>
-              </p:nvSpPr>
-              <p:spPr>
-                <a:xfrm>
-                  <a:off x="2451465" y="822960"/>
-                  <a:ext cx="341311" cy="313612"/>
-                </a:xfrm>
-                <a:prstGeom prst="rect">
-                  <a:avLst/>
-                </a:prstGeom>
-                <a:noFill/>
-              </p:spPr>
-              <p:txBody>
-                <a:bodyPr wrap="none" rtlCol="0">
-                  <a:spAutoFit/>
-                </a:bodyPr>
-                <a:lstStyle/>
-                <a:p>
-                  <a:pPr/>
-                  <a14:m>
-                    <m:oMathPara xmlns:m="http://schemas.openxmlformats.org/officeDocument/2006/math">
-                      <m:oMathParaPr>
-                        <m:jc m:val="centerGroup"/>
-                      </m:oMathParaPr>
-                      <m:oMath xmlns:m="http://schemas.openxmlformats.org/officeDocument/2006/math">
-                        <m:acc>
-                          <m:accPr>
-                            <m:chr m:val="̂"/>
-                            <m:ctrlPr>
-                              <a:rPr kumimoji="1" lang="en-US" altLang="ja-US" sz="1400" b="0" i="1" smtClean="0">
-                                <a:latin typeface="Cambria Math" panose="02040503050406030204" pitchFamily="18" charset="0"/>
-                                <a:cs typeface="Times New Roman" panose="02020603050405020304" pitchFamily="18" charset="0"/>
-                              </a:rPr>
-                            </m:ctrlPr>
-                          </m:accPr>
-                          <m:e>
-                            <m:r>
-                              <a:rPr kumimoji="1" lang="en-US" altLang="ja-US" sz="1400" b="0" i="1" smtClean="0">
-                                <a:latin typeface="Cambria Math" panose="02040503050406030204" pitchFamily="18" charset="0"/>
-                                <a:cs typeface="Times New Roman" panose="02020603050405020304" pitchFamily="18" charset="0"/>
-                              </a:rPr>
-                              <m:t>𝑌</m:t>
-                            </m:r>
-                          </m:e>
-                        </m:acc>
-                      </m:oMath>
-                    </m:oMathPara>
-                  </a14:m>
-                  <a:endParaRPr kumimoji="1" lang="ja-US" altLang="en-US" sz="1400" i="1" dirty="0">
-                    <a:latin typeface="Times New Roman" panose="02020603050405020304" pitchFamily="18" charset="0"/>
-                    <a:cs typeface="Times New Roman" panose="02020603050405020304" pitchFamily="18" charset="0"/>
-                  </a:endParaRPr>
-                </a:p>
-              </p:txBody>
-            </p:sp>
-          </mc:Choice>
-          <mc:Fallback xmlns="">
-            <p:sp>
-              <p:nvSpPr>
-                <p:cNvPr id="23" name="テキスト ボックス 22">
-                  <a:extLst>
-                    <a:ext uri="{FF2B5EF4-FFF2-40B4-BE49-F238E27FC236}">
-                      <a16:creationId xmlns:a16="http://schemas.microsoft.com/office/drawing/2014/main" id="{20AFC1E3-476E-7315-EDC0-1CEA8CF17AE1}"/>
-                    </a:ext>
-                  </a:extLst>
-                </p:cNvPr>
-                <p:cNvSpPr txBox="1">
-                  <a:spLocks noRot="1" noChangeAspect="1" noMove="1" noResize="1" noEditPoints="1" noAdjustHandles="1" noChangeArrowheads="1" noChangeShapeType="1" noTextEdit="1"/>
-                </p:cNvSpPr>
-                <p:nvPr/>
-              </p:nvSpPr>
-              <p:spPr>
-                <a:xfrm>
-                  <a:off x="2451465" y="822960"/>
-                  <a:ext cx="341311" cy="313612"/>
-                </a:xfrm>
-                <a:prstGeom prst="rect">
-                  <a:avLst/>
-                </a:prstGeom>
-                <a:blipFill>
-                  <a:blip r:embed="rId2"/>
-                  <a:stretch>
-                    <a:fillRect/>
-                  </a:stretch>
-                </a:blipFill>
-              </p:spPr>
-              <p:txBody>
-                <a:bodyPr/>
-                <a:lstStyle/>
-                <a:p>
-                  <a:r>
-                    <a:rPr lang="ja-US" altLang="en-US">
-                      <a:noFill/>
-                    </a:rPr>
-                    <a:t> </a:t>
-                  </a:r>
-                </a:p>
-              </p:txBody>
-            </p:sp>
-          </mc:Fallback>
-        </mc:AlternateContent>
         <p:grpSp>
           <p:nvGrpSpPr>
-            <p:cNvPr id="27" name="グループ化 26">
+            <p:cNvPr id="16" name="グループ化 15">
               <a:extLst>
                 <a:ext uri="{FF2B5EF4-FFF2-40B4-BE49-F238E27FC236}">
-                  <a16:creationId xmlns:a16="http://schemas.microsoft.com/office/drawing/2014/main" id="{CAC354A9-AB82-D7BA-6063-73FAB1D732FD}"/>
+                  <a16:creationId xmlns:a16="http://schemas.microsoft.com/office/drawing/2014/main" id="{85E5F5E3-D2D0-C1EA-31BE-AB6F219A3142}"/>
                 </a:ext>
               </a:extLst>
             </p:cNvPr>
-            <p:cNvGrpSpPr/>
+            <p:cNvGrpSpPr>
+              <a:grpSpLocks noChangeAspect="1"/>
+            </p:cNvGrpSpPr>
             <p:nvPr/>
           </p:nvGrpSpPr>
           <p:grpSpPr>
             <a:xfrm>
-              <a:off x="2379606" y="914400"/>
-              <a:ext cx="1517698" cy="1532813"/>
-              <a:chOff x="2379606" y="914400"/>
-              <a:chExt cx="1517698" cy="1532813"/>
+              <a:off x="2657060" y="1828800"/>
+              <a:ext cx="228600" cy="228600"/>
+              <a:chOff x="2166730" y="723900"/>
+              <a:chExt cx="2743200" cy="2743200"/>
             </a:xfrm>
           </p:grpSpPr>
           <p:grpSp>
             <p:nvGrpSpPr>
-              <p:cNvPr id="16" name="グループ化 15">
+              <p:cNvPr id="14" name="グループ化 13">
                 <a:extLst>
                   <a:ext uri="{FF2B5EF4-FFF2-40B4-BE49-F238E27FC236}">
-                    <a16:creationId xmlns:a16="http://schemas.microsoft.com/office/drawing/2014/main" id="{85E5F5E3-D2D0-C1EA-31BE-AB6F219A3142}"/>
+                    <a16:creationId xmlns:a16="http://schemas.microsoft.com/office/drawing/2014/main" id="{9932FA42-4722-6E08-6D77-7C647535739E}"/>
                   </a:ext>
                 </a:extLst>
               </p:cNvPr>
@@ -3619,143 +3468,18 @@
             </p:nvGrpSpPr>
             <p:grpSpPr>
               <a:xfrm>
-                <a:off x="2657060" y="1828800"/>
-                <a:ext cx="228600" cy="228600"/>
-                <a:chOff x="2166730" y="723900"/>
-                <a:chExt cx="2743200" cy="2743200"/>
+                <a:off x="2166730" y="723900"/>
+                <a:ext cx="2743200" cy="2743200"/>
+                <a:chOff x="3235187" y="1358900"/>
+                <a:chExt cx="1828800" cy="1828800"/>
               </a:xfrm>
             </p:grpSpPr>
-            <p:grpSp>
-              <p:nvGrpSpPr>
-                <p:cNvPr id="14" name="グループ化 13">
+            <p:sp>
+              <p:nvSpPr>
+                <p:cNvPr id="9" name="パイ 8">
                   <a:extLst>
                     <a:ext uri="{FF2B5EF4-FFF2-40B4-BE49-F238E27FC236}">
-                      <a16:creationId xmlns:a16="http://schemas.microsoft.com/office/drawing/2014/main" id="{9932FA42-4722-6E08-6D77-7C647535739E}"/>
-                    </a:ext>
-                  </a:extLst>
-                </p:cNvPr>
-                <p:cNvGrpSpPr>
-                  <a:grpSpLocks noChangeAspect="1"/>
-                </p:cNvGrpSpPr>
-                <p:nvPr/>
-              </p:nvGrpSpPr>
-              <p:grpSpPr>
-                <a:xfrm>
-                  <a:off x="2166730" y="723900"/>
-                  <a:ext cx="2743200" cy="2743200"/>
-                  <a:chOff x="3235187" y="1358900"/>
-                  <a:chExt cx="1828800" cy="1828800"/>
-                </a:xfrm>
-              </p:grpSpPr>
-              <p:sp>
-                <p:nvSpPr>
-                  <p:cNvPr id="9" name="パイ 8">
-                    <a:extLst>
-                      <a:ext uri="{FF2B5EF4-FFF2-40B4-BE49-F238E27FC236}">
-                        <a16:creationId xmlns:a16="http://schemas.microsoft.com/office/drawing/2014/main" id="{BB50EFD6-7635-57D6-61D3-BC3D151ABA5E}"/>
-                      </a:ext>
-                    </a:extLst>
-                  </p:cNvPr>
-                  <p:cNvSpPr>
-                    <a:spLocks noChangeAspect="1"/>
-                  </p:cNvSpPr>
-                  <p:nvPr/>
-                </p:nvSpPr>
-                <p:spPr>
-                  <a:xfrm>
-                    <a:off x="3235187" y="1358900"/>
-                    <a:ext cx="1828800" cy="1828800"/>
-                  </a:xfrm>
-                  <a:prstGeom prst="pie">
-                    <a:avLst>
-                      <a:gd name="adj1" fmla="val 16206124"/>
-                      <a:gd name="adj2" fmla="val 21592128"/>
-                    </a:avLst>
-                  </a:prstGeom>
-                </p:spPr>
-                <p:style>
-                  <a:lnRef idx="2">
-                    <a:schemeClr val="dk1">
-                      <a:shade val="15000"/>
-                    </a:schemeClr>
-                  </a:lnRef>
-                  <a:fillRef idx="1">
-                    <a:schemeClr val="dk1"/>
-                  </a:fillRef>
-                  <a:effectRef idx="0">
-                    <a:schemeClr val="dk1"/>
-                  </a:effectRef>
-                  <a:fontRef idx="minor">
-                    <a:schemeClr val="lt1"/>
-                  </a:fontRef>
-                </p:style>
-                <p:txBody>
-                  <a:bodyPr rtlCol="0" anchor="ctr"/>
-                  <a:lstStyle/>
-                  <a:p>
-                    <a:pPr algn="ctr"/>
-                    <a:endParaRPr kumimoji="1" lang="ja-US" altLang="en-US" sz="1400"/>
-                  </a:p>
-                </p:txBody>
-              </p:sp>
-              <p:sp>
-                <p:nvSpPr>
-                  <p:cNvPr id="13" name="パイ 12">
-                    <a:extLst>
-                      <a:ext uri="{FF2B5EF4-FFF2-40B4-BE49-F238E27FC236}">
-                        <a16:creationId xmlns:a16="http://schemas.microsoft.com/office/drawing/2014/main" id="{1A2DA625-584A-4CBF-18FE-CE39E08AF601}"/>
-                      </a:ext>
-                    </a:extLst>
-                  </p:cNvPr>
-                  <p:cNvSpPr>
-                    <a:spLocks noChangeAspect="1"/>
-                  </p:cNvSpPr>
-                  <p:nvPr/>
-                </p:nvSpPr>
-                <p:spPr>
-                  <a:xfrm>
-                    <a:off x="3235187" y="1358900"/>
-                    <a:ext cx="1828800" cy="1828800"/>
-                  </a:xfrm>
-                  <a:prstGeom prst="pie">
-                    <a:avLst>
-                      <a:gd name="adj1" fmla="val 5424212"/>
-                      <a:gd name="adj2" fmla="val 10782642"/>
-                    </a:avLst>
-                  </a:prstGeom>
-                </p:spPr>
-                <p:style>
-                  <a:lnRef idx="2">
-                    <a:schemeClr val="dk1">
-                      <a:shade val="15000"/>
-                    </a:schemeClr>
-                  </a:lnRef>
-                  <a:fillRef idx="1">
-                    <a:schemeClr val="dk1"/>
-                  </a:fillRef>
-                  <a:effectRef idx="0">
-                    <a:schemeClr val="dk1"/>
-                  </a:effectRef>
-                  <a:fontRef idx="minor">
-                    <a:schemeClr val="lt1"/>
-                  </a:fontRef>
-                </p:style>
-                <p:txBody>
-                  <a:bodyPr rtlCol="0" anchor="ctr"/>
-                  <a:lstStyle/>
-                  <a:p>
-                    <a:pPr algn="ctr"/>
-                    <a:endParaRPr kumimoji="1" lang="ja-US" altLang="en-US" sz="1400"/>
-                  </a:p>
-                </p:txBody>
-              </p:sp>
-            </p:grpSp>
-            <p:sp>
-              <p:nvSpPr>
-                <p:cNvPr id="15" name="円/楕円 14">
-                  <a:extLst>
-                    <a:ext uri="{FF2B5EF4-FFF2-40B4-BE49-F238E27FC236}">
-                      <a16:creationId xmlns:a16="http://schemas.microsoft.com/office/drawing/2014/main" id="{C8592E7C-595A-3673-3A4A-F3F0C6E58F65}"/>
+                      <a16:creationId xmlns:a16="http://schemas.microsoft.com/office/drawing/2014/main" id="{BB50EFD6-7635-57D6-61D3-BC3D151ABA5E}"/>
                     </a:ext>
                   </a:extLst>
                 </p:cNvPr>
@@ -3766,30 +3490,27 @@
               </p:nvSpPr>
               <p:spPr>
                 <a:xfrm>
-                  <a:off x="2166730" y="723900"/>
-                  <a:ext cx="2743200" cy="2743200"/>
+                  <a:off x="3235187" y="1358900"/>
+                  <a:ext cx="1828800" cy="1828800"/>
                 </a:xfrm>
-                <a:prstGeom prst="ellipse">
-                  <a:avLst/>
+                <a:prstGeom prst="pie">
+                  <a:avLst>
+                    <a:gd name="adj1" fmla="val 16206124"/>
+                    <a:gd name="adj2" fmla="val 21592128"/>
+                  </a:avLst>
                 </a:prstGeom>
-                <a:noFill/>
-                <a:ln>
-                  <a:solidFill>
-                    <a:schemeClr val="tx1"/>
-                  </a:solidFill>
-                </a:ln>
               </p:spPr>
               <p:style>
                 <a:lnRef idx="2">
-                  <a:schemeClr val="accent1">
+                  <a:schemeClr val="dk1">
                     <a:shade val="15000"/>
                   </a:schemeClr>
                 </a:lnRef>
                 <a:fillRef idx="1">
-                  <a:schemeClr val="accent1"/>
+                  <a:schemeClr val="dk1"/>
                 </a:fillRef>
                 <a:effectRef idx="0">
-                  <a:schemeClr val="accent1"/>
+                  <a:schemeClr val="dk1"/>
                 </a:effectRef>
                 <a:fontRef idx="minor">
                   <a:schemeClr val="lt1"/>
@@ -3800,326 +3521,74 @@
                 <a:lstStyle/>
                 <a:p>
                   <a:pPr algn="ctr"/>
-                  <a:endParaRPr kumimoji="1" lang="ja-US" altLang="en-US" sz="1400"/>
+                  <a:endParaRPr kumimoji="1" lang="ja-US" altLang="en-US" sz="1400" i="1">
+                    <a:latin typeface="CMU Serif" panose="02000603000000000000" pitchFamily="2" charset="0"/>
+                    <a:cs typeface="CMU Serif" panose="02000603000000000000" pitchFamily="2" charset="0"/>
+                  </a:endParaRPr>
+                </a:p>
+              </p:txBody>
+            </p:sp>
+            <p:sp>
+              <p:nvSpPr>
+                <p:cNvPr id="13" name="パイ 12">
+                  <a:extLst>
+                    <a:ext uri="{FF2B5EF4-FFF2-40B4-BE49-F238E27FC236}">
+                      <a16:creationId xmlns:a16="http://schemas.microsoft.com/office/drawing/2014/main" id="{1A2DA625-584A-4CBF-18FE-CE39E08AF601}"/>
+                    </a:ext>
+                  </a:extLst>
+                </p:cNvPr>
+                <p:cNvSpPr>
+                  <a:spLocks noChangeAspect="1"/>
+                </p:cNvSpPr>
+                <p:nvPr/>
+              </p:nvSpPr>
+              <p:spPr>
+                <a:xfrm>
+                  <a:off x="3235187" y="1358900"/>
+                  <a:ext cx="1828800" cy="1828800"/>
+                </a:xfrm>
+                <a:prstGeom prst="pie">
+                  <a:avLst>
+                    <a:gd name="adj1" fmla="val 5424212"/>
+                    <a:gd name="adj2" fmla="val 10782642"/>
+                  </a:avLst>
+                </a:prstGeom>
+              </p:spPr>
+              <p:style>
+                <a:lnRef idx="2">
+                  <a:schemeClr val="dk1">
+                    <a:shade val="15000"/>
+                  </a:schemeClr>
+                </a:lnRef>
+                <a:fillRef idx="1">
+                  <a:schemeClr val="dk1"/>
+                </a:fillRef>
+                <a:effectRef idx="0">
+                  <a:schemeClr val="dk1"/>
+                </a:effectRef>
+                <a:fontRef idx="minor">
+                  <a:schemeClr val="lt1"/>
+                </a:fontRef>
+              </p:style>
+              <p:txBody>
+                <a:bodyPr rtlCol="0" anchor="ctr"/>
+                <a:lstStyle/>
+                <a:p>
+                  <a:pPr algn="ctr"/>
+                  <a:endParaRPr kumimoji="1" lang="ja-US" altLang="en-US" sz="1400" i="1">
+                    <a:latin typeface="CMU Serif" panose="02000603000000000000" pitchFamily="2" charset="0"/>
+                    <a:cs typeface="CMU Serif" panose="02000603000000000000" pitchFamily="2" charset="0"/>
+                  </a:endParaRPr>
                 </a:p>
               </p:txBody>
             </p:sp>
           </p:grpSp>
-          <p:cxnSp>
-            <p:nvCxnSpPr>
-              <p:cNvPr id="18" name="直線矢印コネクタ 17">
+          <p:sp>
+            <p:nvSpPr>
+              <p:cNvPr id="15" name="円/楕円 14">
                 <a:extLst>
                   <a:ext uri="{FF2B5EF4-FFF2-40B4-BE49-F238E27FC236}">
-                    <a16:creationId xmlns:a16="http://schemas.microsoft.com/office/drawing/2014/main" id="{4939D425-6009-5CEE-BA6D-81B3E1FB51FE}"/>
-                  </a:ext>
-                </a:extLst>
-              </p:cNvPr>
-              <p:cNvCxnSpPr>
-                <a:stCxn id="15" idx="0"/>
-              </p:cNvCxnSpPr>
-              <p:nvPr/>
-            </p:nvCxnSpPr>
-            <p:spPr>
-              <a:xfrm flipV="1">
-                <a:off x="2771360" y="914400"/>
-                <a:ext cx="0" cy="914400"/>
-              </a:xfrm>
-              <a:prstGeom prst="straightConnector1">
-                <a:avLst/>
-              </a:prstGeom>
-              <a:ln w="38100">
-                <a:tailEnd type="triangle"/>
-              </a:ln>
-            </p:spPr>
-            <p:style>
-              <a:lnRef idx="2">
-                <a:schemeClr val="dk1"/>
-              </a:lnRef>
-              <a:fillRef idx="0">
-                <a:schemeClr val="dk1"/>
-              </a:fillRef>
-              <a:effectRef idx="1">
-                <a:schemeClr val="dk1"/>
-              </a:effectRef>
-              <a:fontRef idx="minor">
-                <a:schemeClr val="tx1"/>
-              </a:fontRef>
-            </p:style>
-          </p:cxnSp>
-          <p:cxnSp>
-            <p:nvCxnSpPr>
-              <p:cNvPr id="19" name="直線矢印コネクタ 18">
-                <a:extLst>
-                  <a:ext uri="{FF2B5EF4-FFF2-40B4-BE49-F238E27FC236}">
-                    <a16:creationId xmlns:a16="http://schemas.microsoft.com/office/drawing/2014/main" id="{581118B5-4841-3758-11C5-6B208F0C2647}"/>
-                  </a:ext>
-                </a:extLst>
-              </p:cNvPr>
-              <p:cNvCxnSpPr>
-                <a:cxnSpLocks/>
-                <a:stCxn id="15" idx="6"/>
-              </p:cNvCxnSpPr>
-              <p:nvPr/>
-            </p:nvCxnSpPr>
-            <p:spPr>
-              <a:xfrm>
-                <a:off x="2885660" y="1943100"/>
-                <a:ext cx="916319" cy="11430"/>
-              </a:xfrm>
-              <a:prstGeom prst="straightConnector1">
-                <a:avLst/>
-              </a:prstGeom>
-              <a:ln w="38100">
-                <a:tailEnd type="triangle"/>
-              </a:ln>
-            </p:spPr>
-            <p:style>
-              <a:lnRef idx="2">
-                <a:schemeClr val="dk1"/>
-              </a:lnRef>
-              <a:fillRef idx="0">
-                <a:schemeClr val="dk1"/>
-              </a:fillRef>
-              <a:effectRef idx="1">
-                <a:schemeClr val="dk1"/>
-              </a:effectRef>
-              <a:fontRef idx="minor">
-                <a:schemeClr val="tx1"/>
-              </a:fontRef>
-            </p:style>
-          </p:cxnSp>
-          <mc:AlternateContent xmlns:mc="http://schemas.openxmlformats.org/markup-compatibility/2006" xmlns:a14="http://schemas.microsoft.com/office/drawing/2010/main">
-            <mc:Choice Requires="a14">
-              <p:sp>
-                <p:nvSpPr>
-                  <p:cNvPr id="24" name="テキスト ボックス 23">
-                    <a:extLst>
-                      <a:ext uri="{FF2B5EF4-FFF2-40B4-BE49-F238E27FC236}">
-                        <a16:creationId xmlns:a16="http://schemas.microsoft.com/office/drawing/2014/main" id="{709A5A0A-A38A-FACB-D395-5A6E3BD204B5}"/>
-                      </a:ext>
-                    </a:extLst>
-                  </p:cNvPr>
-                  <p:cNvSpPr txBox="1"/>
-                  <p:nvPr/>
-                </p:nvSpPr>
-                <p:spPr>
-                  <a:xfrm>
-                    <a:off x="3547978" y="2015031"/>
-                    <a:ext cx="349326" cy="313612"/>
-                  </a:xfrm>
-                  <a:prstGeom prst="rect">
-                    <a:avLst/>
-                  </a:prstGeom>
-                  <a:noFill/>
-                </p:spPr>
-                <p:txBody>
-                  <a:bodyPr wrap="none" rtlCol="0">
-                    <a:spAutoFit/>
-                  </a:bodyPr>
-                  <a:lstStyle/>
-                  <a:p>
-                    <a:pPr/>
-                    <a14:m>
-                      <m:oMathPara xmlns:m="http://schemas.openxmlformats.org/officeDocument/2006/math">
-                        <m:oMathParaPr>
-                          <m:jc m:val="centerGroup"/>
-                        </m:oMathParaPr>
-                        <m:oMath xmlns:m="http://schemas.openxmlformats.org/officeDocument/2006/math">
-                          <m:acc>
-                            <m:accPr>
-                              <m:chr m:val="̂"/>
-                              <m:ctrlPr>
-                                <a:rPr kumimoji="1" lang="en-US" altLang="ja-US" sz="1400" b="0" i="1" smtClean="0">
-                                  <a:latin typeface="Cambria Math" panose="02040503050406030204" pitchFamily="18" charset="0"/>
-                                  <a:cs typeface="Times New Roman" panose="02020603050405020304" pitchFamily="18" charset="0"/>
-                                </a:rPr>
-                              </m:ctrlPr>
-                            </m:accPr>
-                            <m:e>
-                              <m:r>
-                                <a:rPr kumimoji="1" lang="en-US" altLang="ja-US" sz="1400" b="0" i="1" smtClean="0">
-                                  <a:latin typeface="Cambria Math" panose="02040503050406030204" pitchFamily="18" charset="0"/>
-                                  <a:cs typeface="Times New Roman" panose="02020603050405020304" pitchFamily="18" charset="0"/>
-                                </a:rPr>
-                                <m:t>𝑋</m:t>
-                              </m:r>
-                            </m:e>
-                          </m:acc>
-                        </m:oMath>
-                      </m:oMathPara>
-                    </a14:m>
-                    <a:endParaRPr kumimoji="1" lang="ja-US" altLang="en-US" sz="1400" i="1" dirty="0">
-                      <a:latin typeface="Times New Roman" panose="02020603050405020304" pitchFamily="18" charset="0"/>
-                      <a:cs typeface="Times New Roman" panose="02020603050405020304" pitchFamily="18" charset="0"/>
-                    </a:endParaRPr>
-                  </a:p>
-                </p:txBody>
-              </p:sp>
-            </mc:Choice>
-            <mc:Fallback xmlns="">
-              <p:sp>
-                <p:nvSpPr>
-                  <p:cNvPr id="24" name="テキスト ボックス 23">
-                    <a:extLst>
-                      <a:ext uri="{FF2B5EF4-FFF2-40B4-BE49-F238E27FC236}">
-                        <a16:creationId xmlns:a16="http://schemas.microsoft.com/office/drawing/2014/main" id="{709A5A0A-A38A-FACB-D395-5A6E3BD204B5}"/>
-                      </a:ext>
-                    </a:extLst>
-                  </p:cNvPr>
-                  <p:cNvSpPr txBox="1">
-                    <a:spLocks noRot="1" noChangeAspect="1" noMove="1" noResize="1" noEditPoints="1" noAdjustHandles="1" noChangeArrowheads="1" noChangeShapeType="1" noTextEdit="1"/>
-                  </p:cNvSpPr>
-                  <p:nvPr/>
-                </p:nvSpPr>
-                <p:spPr>
-                  <a:xfrm>
-                    <a:off x="3547978" y="2015031"/>
-                    <a:ext cx="349326" cy="313612"/>
-                  </a:xfrm>
-                  <a:prstGeom prst="rect">
-                    <a:avLst/>
-                  </a:prstGeom>
-                  <a:blipFill>
-                    <a:blip r:embed="rId3"/>
-                    <a:stretch>
-                      <a:fillRect/>
-                    </a:stretch>
-                  </a:blipFill>
-                </p:spPr>
-                <p:txBody>
-                  <a:bodyPr/>
-                  <a:lstStyle/>
-                  <a:p>
-                    <a:r>
-                      <a:rPr lang="ja-US" altLang="en-US">
-                        <a:noFill/>
-                      </a:rPr>
-                      <a:t> </a:t>
-                    </a:r>
-                  </a:p>
-                </p:txBody>
-              </p:sp>
-            </mc:Fallback>
-          </mc:AlternateContent>
-          <mc:AlternateContent xmlns:mc="http://schemas.openxmlformats.org/markup-compatibility/2006" xmlns:a14="http://schemas.microsoft.com/office/drawing/2010/main">
-            <mc:Choice Requires="a14">
-              <p:sp>
-                <p:nvSpPr>
-                  <p:cNvPr id="25" name="テキスト ボックス 24">
-                    <a:extLst>
-                      <a:ext uri="{FF2B5EF4-FFF2-40B4-BE49-F238E27FC236}">
-                        <a16:creationId xmlns:a16="http://schemas.microsoft.com/office/drawing/2014/main" id="{CA176CD5-1B82-359A-0CF7-A819F0F8ABDF}"/>
-                      </a:ext>
-                    </a:extLst>
-                  </p:cNvPr>
-                  <p:cNvSpPr txBox="1"/>
-                  <p:nvPr/>
-                </p:nvSpPr>
-                <p:spPr>
-                  <a:xfrm>
-                    <a:off x="2379606" y="2133537"/>
-                    <a:ext cx="326308" cy="313676"/>
-                  </a:xfrm>
-                  <a:prstGeom prst="rect">
-                    <a:avLst/>
-                  </a:prstGeom>
-                  <a:noFill/>
-                </p:spPr>
-                <p:txBody>
-                  <a:bodyPr wrap="square" rtlCol="0">
-                    <a:spAutoFit/>
-                  </a:bodyPr>
-                  <a:lstStyle/>
-                  <a:p>
-                    <a:pPr/>
-                    <a14:m>
-                      <m:oMathPara xmlns:m="http://schemas.openxmlformats.org/officeDocument/2006/math">
-                        <m:oMathParaPr>
-                          <m:jc m:val="centerGroup"/>
-                        </m:oMathParaPr>
-                        <m:oMath xmlns:m="http://schemas.openxmlformats.org/officeDocument/2006/math">
-                          <m:acc>
-                            <m:accPr>
-                              <m:chr m:val="̂"/>
-                              <m:ctrlPr>
-                                <a:rPr kumimoji="1" lang="en-US" altLang="ja-US" sz="1400" b="0" i="1" smtClean="0">
-                                  <a:latin typeface="Cambria Math" panose="02040503050406030204" pitchFamily="18" charset="0"/>
-                                  <a:cs typeface="Times New Roman" panose="02020603050405020304" pitchFamily="18" charset="0"/>
-                                </a:rPr>
-                              </m:ctrlPr>
-                            </m:accPr>
-                            <m:e>
-                              <m:r>
-                                <a:rPr kumimoji="1" lang="en-US" altLang="ja-US" sz="1400" b="0" i="1" smtClean="0">
-                                  <a:latin typeface="Cambria Math" panose="02040503050406030204" pitchFamily="18" charset="0"/>
-                                  <a:cs typeface="Times New Roman" panose="02020603050405020304" pitchFamily="18" charset="0"/>
-                                </a:rPr>
-                                <m:t>𝑍</m:t>
-                              </m:r>
-                            </m:e>
-                          </m:acc>
-                        </m:oMath>
-                      </m:oMathPara>
-                    </a14:m>
-                    <a:endParaRPr kumimoji="1" lang="ja-US" altLang="en-US" sz="1400" i="1" dirty="0">
-                      <a:latin typeface="Times New Roman" panose="02020603050405020304" pitchFamily="18" charset="0"/>
-                      <a:cs typeface="Times New Roman" panose="02020603050405020304" pitchFamily="18" charset="0"/>
-                    </a:endParaRPr>
-                  </a:p>
-                </p:txBody>
-              </p:sp>
-            </mc:Choice>
-            <mc:Fallback xmlns="">
-              <p:sp>
-                <p:nvSpPr>
-                  <p:cNvPr id="25" name="テキスト ボックス 24">
-                    <a:extLst>
-                      <a:ext uri="{FF2B5EF4-FFF2-40B4-BE49-F238E27FC236}">
-                        <a16:creationId xmlns:a16="http://schemas.microsoft.com/office/drawing/2014/main" id="{CA176CD5-1B82-359A-0CF7-A819F0F8ABDF}"/>
-                      </a:ext>
-                    </a:extLst>
-                  </p:cNvPr>
-                  <p:cNvSpPr txBox="1">
-                    <a:spLocks noRot="1" noChangeAspect="1" noMove="1" noResize="1" noEditPoints="1" noAdjustHandles="1" noChangeArrowheads="1" noChangeShapeType="1" noTextEdit="1"/>
-                  </p:cNvSpPr>
-                  <p:nvPr/>
-                </p:nvSpPr>
-                <p:spPr>
-                  <a:xfrm>
-                    <a:off x="2379606" y="2133537"/>
-                    <a:ext cx="326308" cy="313676"/>
-                  </a:xfrm>
-                  <a:prstGeom prst="rect">
-                    <a:avLst/>
-                  </a:prstGeom>
-                  <a:blipFill>
-                    <a:blip r:embed="rId4"/>
-                    <a:stretch>
-                      <a:fillRect/>
-                    </a:stretch>
-                  </a:blipFill>
-                </p:spPr>
-                <p:txBody>
-                  <a:bodyPr/>
-                  <a:lstStyle/>
-                  <a:p>
-                    <a:r>
-                      <a:rPr lang="ja-US" altLang="en-US">
-                        <a:noFill/>
-                      </a:rPr>
-                      <a:t> </a:t>
-                    </a:r>
-                  </a:p>
-                </p:txBody>
-              </p:sp>
-            </mc:Fallback>
-          </mc:AlternateContent>
-          <p:sp>
-            <p:nvSpPr>
-              <p:cNvPr id="26" name="円弧 25">
-                <a:extLst>
-                  <a:ext uri="{FF2B5EF4-FFF2-40B4-BE49-F238E27FC236}">
-                    <a16:creationId xmlns:a16="http://schemas.microsoft.com/office/drawing/2014/main" id="{CF12C3A9-7D09-DA50-5459-7ABEE2497721}"/>
+                    <a16:creationId xmlns:a16="http://schemas.microsoft.com/office/drawing/2014/main" id="{C8592E7C-595A-3673-3A4A-F3F0C6E58F65}"/>
                   </a:ext>
                 </a:extLst>
               </p:cNvPr>
@@ -4130,34 +3599,33 @@
             </p:nvSpPr>
             <p:spPr>
               <a:xfrm>
-                <a:off x="2542760" y="1714500"/>
-                <a:ext cx="457200" cy="457200"/>
+                <a:off x="2166730" y="723900"/>
+                <a:ext cx="2743200" cy="2743200"/>
               </a:xfrm>
-              <a:prstGeom prst="arc">
-                <a:avLst>
-                  <a:gd name="adj1" fmla="val 3204437"/>
-                  <a:gd name="adj2" fmla="val 126482"/>
-                </a:avLst>
+              <a:prstGeom prst="ellipse">
+                <a:avLst/>
               </a:prstGeom>
-              <a:ln w="38100">
+              <a:noFill/>
+              <a:ln>
                 <a:solidFill>
                   <a:schemeClr val="tx1"/>
                 </a:solidFill>
-                <a:headEnd type="triangle"/>
               </a:ln>
             </p:spPr>
             <p:style>
               <a:lnRef idx="2">
-                <a:schemeClr val="accent1"/>
+                <a:schemeClr val="accent1">
+                  <a:shade val="15000"/>
+                </a:schemeClr>
               </a:lnRef>
-              <a:fillRef idx="0">
+              <a:fillRef idx="1">
                 <a:schemeClr val="accent1"/>
               </a:fillRef>
-              <a:effectRef idx="1">
+              <a:effectRef idx="0">
                 <a:schemeClr val="accent1"/>
               </a:effectRef>
               <a:fontRef idx="minor">
-                <a:schemeClr val="tx1"/>
+                <a:schemeClr val="lt1"/>
               </a:fontRef>
             </p:style>
             <p:txBody>
@@ -4165,11 +3633,155 @@
               <a:lstStyle/>
               <a:p>
                 <a:pPr algn="ctr"/>
-                <a:endParaRPr kumimoji="1" lang="ja-US" altLang="en-US" sz="1400"/>
+                <a:endParaRPr kumimoji="1" lang="ja-US" altLang="en-US" sz="1400" i="1">
+                  <a:latin typeface="CMU Serif" panose="02000603000000000000" pitchFamily="2" charset="0"/>
+                  <a:cs typeface="CMU Serif" panose="02000603000000000000" pitchFamily="2" charset="0"/>
+                </a:endParaRPr>
               </a:p>
             </p:txBody>
           </p:sp>
         </p:grpSp>
+        <p:cxnSp>
+          <p:nvCxnSpPr>
+            <p:cNvPr id="18" name="直線矢印コネクタ 17">
+              <a:extLst>
+                <a:ext uri="{FF2B5EF4-FFF2-40B4-BE49-F238E27FC236}">
+                  <a16:creationId xmlns:a16="http://schemas.microsoft.com/office/drawing/2014/main" id="{4939D425-6009-5CEE-BA6D-81B3E1FB51FE}"/>
+                </a:ext>
+              </a:extLst>
+            </p:cNvPr>
+            <p:cNvCxnSpPr>
+              <a:stCxn id="15" idx="0"/>
+            </p:cNvCxnSpPr>
+            <p:nvPr/>
+          </p:nvCxnSpPr>
+          <p:spPr>
+            <a:xfrm flipV="1">
+              <a:off x="2771360" y="914400"/>
+              <a:ext cx="0" cy="914400"/>
+            </a:xfrm>
+            <a:prstGeom prst="straightConnector1">
+              <a:avLst/>
+            </a:prstGeom>
+            <a:ln w="38100">
+              <a:tailEnd type="triangle"/>
+            </a:ln>
+          </p:spPr>
+          <p:style>
+            <a:lnRef idx="2">
+              <a:schemeClr val="dk1"/>
+            </a:lnRef>
+            <a:fillRef idx="0">
+              <a:schemeClr val="dk1"/>
+            </a:fillRef>
+            <a:effectRef idx="1">
+              <a:schemeClr val="dk1"/>
+            </a:effectRef>
+            <a:fontRef idx="minor">
+              <a:schemeClr val="tx1"/>
+            </a:fontRef>
+          </p:style>
+        </p:cxnSp>
+        <p:cxnSp>
+          <p:nvCxnSpPr>
+            <p:cNvPr id="19" name="直線矢印コネクタ 18">
+              <a:extLst>
+                <a:ext uri="{FF2B5EF4-FFF2-40B4-BE49-F238E27FC236}">
+                  <a16:creationId xmlns:a16="http://schemas.microsoft.com/office/drawing/2014/main" id="{581118B5-4841-3758-11C5-6B208F0C2647}"/>
+                </a:ext>
+              </a:extLst>
+            </p:cNvPr>
+            <p:cNvCxnSpPr>
+              <a:cxnSpLocks/>
+              <a:stCxn id="15" idx="6"/>
+            </p:cNvCxnSpPr>
+            <p:nvPr/>
+          </p:nvCxnSpPr>
+          <p:spPr>
+            <a:xfrm>
+              <a:off x="2885660" y="1943100"/>
+              <a:ext cx="916319" cy="11430"/>
+            </a:xfrm>
+            <a:prstGeom prst="straightConnector1">
+              <a:avLst/>
+            </a:prstGeom>
+            <a:ln w="38100">
+              <a:tailEnd type="triangle"/>
+            </a:ln>
+          </p:spPr>
+          <p:style>
+            <a:lnRef idx="2">
+              <a:schemeClr val="dk1"/>
+            </a:lnRef>
+            <a:fillRef idx="0">
+              <a:schemeClr val="dk1"/>
+            </a:fillRef>
+            <a:effectRef idx="1">
+              <a:schemeClr val="dk1"/>
+            </a:effectRef>
+            <a:fontRef idx="minor">
+              <a:schemeClr val="tx1"/>
+            </a:fontRef>
+          </p:style>
+        </p:cxnSp>
+        <p:sp>
+          <p:nvSpPr>
+            <p:cNvPr id="26" name="円弧 25">
+              <a:extLst>
+                <a:ext uri="{FF2B5EF4-FFF2-40B4-BE49-F238E27FC236}">
+                  <a16:creationId xmlns:a16="http://schemas.microsoft.com/office/drawing/2014/main" id="{CF12C3A9-7D09-DA50-5459-7ABEE2497721}"/>
+                </a:ext>
+              </a:extLst>
+            </p:cNvPr>
+            <p:cNvSpPr>
+              <a:spLocks noChangeAspect="1"/>
+            </p:cNvSpPr>
+            <p:nvPr/>
+          </p:nvSpPr>
+          <p:spPr>
+            <a:xfrm>
+              <a:off x="2542760" y="1714500"/>
+              <a:ext cx="457200" cy="457200"/>
+            </a:xfrm>
+            <a:prstGeom prst="arc">
+              <a:avLst>
+                <a:gd name="adj1" fmla="val 3204437"/>
+                <a:gd name="adj2" fmla="val 126482"/>
+              </a:avLst>
+            </a:prstGeom>
+            <a:ln w="38100">
+              <a:solidFill>
+                <a:schemeClr val="tx1"/>
+              </a:solidFill>
+              <a:headEnd type="triangle"/>
+            </a:ln>
+          </p:spPr>
+          <p:style>
+            <a:lnRef idx="2">
+              <a:schemeClr val="accent1"/>
+            </a:lnRef>
+            <a:fillRef idx="0">
+              <a:schemeClr val="accent1"/>
+            </a:fillRef>
+            <a:effectRef idx="1">
+              <a:schemeClr val="accent1"/>
+            </a:effectRef>
+            <a:fontRef idx="minor">
+              <a:schemeClr val="tx1"/>
+            </a:fontRef>
+          </p:style>
+          <p:txBody>
+            <a:bodyPr rtlCol="0" anchor="ctr"/>
+            <a:lstStyle/>
+            <a:p>
+              <a:pPr algn="ctr"/>
+              <a:endParaRPr kumimoji="1" lang="ja-US" altLang="en-US" sz="1400" i="1">
+                <a:latin typeface="CMU Serif" panose="02000603000000000000" pitchFamily="2" charset="0"/>
+                <a:cs typeface="CMU Serif" panose="02000603000000000000" pitchFamily="2" charset="0"/>
+              </a:endParaRPr>
+            </a:p>
+          </p:txBody>
+        </p:sp>
       </p:grpSp>
       <p:sp>
         <p:nvSpPr>
@@ -4215,13 +3827,16 @@
           <a:lstStyle/>
           <a:p>
             <a:pPr algn="ctr"/>
-            <a:endParaRPr kumimoji="1" lang="ja-US" altLang="en-US" sz="1400"/>
+            <a:endParaRPr kumimoji="1" lang="ja-US" altLang="en-US" sz="1400" i="1">
+              <a:latin typeface="CMU Serif" panose="02000603000000000000" pitchFamily="2" charset="0"/>
+              <a:cs typeface="CMU Serif" panose="02000603000000000000" pitchFamily="2" charset="0"/>
+            </a:endParaRPr>
           </a:p>
         </p:txBody>
       </p:sp>
       <p:cxnSp>
         <p:nvCxnSpPr>
-          <p:cNvPr id="31" name="直線矢印コネクタ 30">
+          <p:cNvPr id="31" name="直線矢印コネクタ 30 1">
             <a:extLst>
               <a:ext uri="{FF2B5EF4-FFF2-40B4-BE49-F238E27FC236}">
                 <a16:creationId xmlns:a16="http://schemas.microsoft.com/office/drawing/2014/main" id="{F0CAF301-AB7D-7EE4-6488-1170DA3DE560}"/>
@@ -4261,48 +3876,6 @@
           </a:fontRef>
         </p:style>
       </p:cxnSp>
-      <p:sp>
-        <p:nvSpPr>
-          <p:cNvPr id="41" name="テキスト ボックス 40">
-            <a:extLst>
-              <a:ext uri="{FF2B5EF4-FFF2-40B4-BE49-F238E27FC236}">
-                <a16:creationId xmlns:a16="http://schemas.microsoft.com/office/drawing/2014/main" id="{A62295F2-756E-3A26-87CB-C2C5ACED9422}"/>
-              </a:ext>
-            </a:extLst>
-          </p:cNvPr>
-          <p:cNvSpPr txBox="1"/>
-          <p:nvPr/>
-        </p:nvSpPr>
-        <p:spPr>
-          <a:xfrm flipH="1">
-            <a:off x="3518377" y="1154604"/>
-            <a:ext cx="455416" cy="215444"/>
-          </a:xfrm>
-          <a:prstGeom prst="rect">
-            <a:avLst/>
-          </a:prstGeom>
-          <a:noFill/>
-        </p:spPr>
-        <p:txBody>
-          <a:bodyPr wrap="square" lIns="0" tIns="0" rIns="0" bIns="0" rtlCol="0">
-            <a:spAutoFit/>
-          </a:bodyPr>
-          <a:lstStyle/>
-          <a:p>
-            <a:r>
-              <a:rPr kumimoji="1" lang="en-US" altLang="ja-US" sz="1400" b="1" i="1" dirty="0">
-                <a:latin typeface="Times New Roman" panose="02020603050405020304" pitchFamily="18" charset="0"/>
-                <a:cs typeface="Times New Roman" panose="02020603050405020304" pitchFamily="18" charset="0"/>
-              </a:rPr>
-              <a:t>r</a:t>
-            </a:r>
-            <a:endParaRPr kumimoji="1" lang="ja-US" altLang="en-US" sz="1400" b="1" i="1" dirty="0">
-              <a:latin typeface="Times New Roman" panose="02020603050405020304" pitchFamily="18" charset="0"/>
-              <a:cs typeface="Times New Roman" panose="02020603050405020304" pitchFamily="18" charset="0"/>
-            </a:endParaRPr>
-          </a:p>
-        </p:txBody>
-      </p:sp>
       <p:cxnSp>
         <p:nvCxnSpPr>
           <p:cNvPr id="2" name="直線矢印コネクタ 1">
@@ -4346,55 +3919,354 @@
           </a:fontRef>
         </p:style>
       </p:cxnSp>
-      <p:sp>
-        <p:nvSpPr>
-          <p:cNvPr id="7" name="テキスト ボックス 6">
+      <p:pic>
+        <p:nvPicPr>
+          <p:cNvPr id="55" name="Picture 54" descr="\documentclass{article}&#10;\usepackage{amsmath}&#10;\pagestyle{empty}&#10;\begin{document}&#10;&#10;$P_2$&#10;&#10;&#10;\end{document}" title="IguanaTex Picture Display">
             <a:extLst>
               <a:ext uri="{FF2B5EF4-FFF2-40B4-BE49-F238E27FC236}">
-                <a16:creationId xmlns:a16="http://schemas.microsoft.com/office/drawing/2014/main" id="{5C852BFD-7EFD-1399-0293-230235776F7B}"/>
+                <a16:creationId xmlns:a16="http://schemas.microsoft.com/office/drawing/2014/main" id="{C861B5A7-22D5-B2E0-3212-0F3CC663B15A}"/>
               </a:ext>
             </a:extLst>
           </p:cNvPr>
-          <p:cNvSpPr txBox="1"/>
-          <p:nvPr/>
-        </p:nvSpPr>
+          <p:cNvPicPr>
+            <a:picLocks noChangeAspect="1"/>
+          </p:cNvPicPr>
+          <p:nvPr>
+            <p:custDataLst>
+              <p:tags r:id="rId1"/>
+            </p:custDataLst>
+          </p:nvPr>
+        </p:nvPicPr>
+        <p:blipFill>
+          <a:blip r:embed="rId11"/>
+          <a:stretch>
+            <a:fillRect/>
+          </a:stretch>
+        </p:blipFill>
         <p:spPr>
-          <a:xfrm flipH="1">
-            <a:off x="5034700" y="1154604"/>
-            <a:ext cx="455416" cy="215444"/>
+          <a:xfrm>
+            <a:off x="5911156" y="1884172"/>
+            <a:ext cx="243840" cy="209296"/>
           </a:xfrm>
           <a:prstGeom prst="rect">
             <a:avLst/>
           </a:prstGeom>
-          <a:noFill/>
         </p:spPr>
-        <p:txBody>
-          <a:bodyPr wrap="square" lIns="0" tIns="0" rIns="0" bIns="0" rtlCol="0">
-            <a:spAutoFit/>
-          </a:bodyPr>
-          <a:lstStyle/>
-          <a:p>
-            <a:r>
-              <a:rPr kumimoji="1" lang="en-US" altLang="ja-US" sz="1400" b="1" i="1" dirty="0">
-                <a:latin typeface="Times New Roman" panose="02020603050405020304" pitchFamily="18" charset="0"/>
-                <a:cs typeface="Times New Roman" panose="02020603050405020304" pitchFamily="18" charset="0"/>
-              </a:rPr>
-              <a:t>r</a:t>
-            </a:r>
-            <a:r>
-              <a:rPr kumimoji="1" lang="en-US" altLang="ja-US" sz="1400" b="1" i="1" baseline="-25000" dirty="0">
-                <a:latin typeface="Times New Roman" panose="02020603050405020304" pitchFamily="18" charset="0"/>
-                <a:cs typeface="Times New Roman" panose="02020603050405020304" pitchFamily="18" charset="0"/>
-              </a:rPr>
-              <a:t>2</a:t>
-            </a:r>
-            <a:endParaRPr kumimoji="1" lang="ja-US" altLang="en-US" sz="1400" b="1" i="1" dirty="0">
-              <a:latin typeface="Times New Roman" panose="02020603050405020304" pitchFamily="18" charset="0"/>
-              <a:cs typeface="Times New Roman" panose="02020603050405020304" pitchFamily="18" charset="0"/>
-            </a:endParaRPr>
-          </a:p>
-        </p:txBody>
-      </p:sp>
+      </p:pic>
+      <p:pic>
+        <p:nvPicPr>
+          <p:cNvPr id="53" name="Picture 52" descr="\documentclass{article}&#10;\usepackage{amsmath}&#10;\pagestyle{empty}&#10;\begin{document}&#10;&#10;&#10;$P_1$&#10;&#10;\end{document}" title="IguanaTex Picture Display">
+            <a:extLst>
+              <a:ext uri="{FF2B5EF4-FFF2-40B4-BE49-F238E27FC236}">
+                <a16:creationId xmlns:a16="http://schemas.microsoft.com/office/drawing/2014/main" id="{622AB90D-C315-A2EC-FA26-CCE554B8DDC8}"/>
+              </a:ext>
+            </a:extLst>
+          </p:cNvPr>
+          <p:cNvPicPr>
+            <a:picLocks noChangeAspect="1"/>
+          </p:cNvPicPr>
+          <p:nvPr>
+            <p:custDataLst>
+              <p:tags r:id="rId2"/>
+            </p:custDataLst>
+          </p:nvPr>
+        </p:nvPicPr>
+        <p:blipFill>
+          <a:blip r:embed="rId12"/>
+          <a:stretch>
+            <a:fillRect/>
+          </a:stretch>
+        </p:blipFill>
+        <p:spPr>
+          <a:xfrm>
+            <a:off x="980372" y="1838840"/>
+            <a:ext cx="237744" cy="209296"/>
+          </a:xfrm>
+          <a:prstGeom prst="rect">
+            <a:avLst/>
+          </a:prstGeom>
+        </p:spPr>
+      </p:pic>
+      <p:pic>
+        <p:nvPicPr>
+          <p:cNvPr id="21" name="Picture 20" descr="\documentclass{article}&#10;\usepackage{amsmath}&#10;\pagestyle{empty}&#10;\begin{document}&#10;&#10;&#10;$\boldsymbol{r}$&#10;&#10;\end{document}" title="IguanaTex Picture Display">
+            <a:extLst>
+              <a:ext uri="{FF2B5EF4-FFF2-40B4-BE49-F238E27FC236}">
+                <a16:creationId xmlns:a16="http://schemas.microsoft.com/office/drawing/2014/main" id="{AA264895-870E-8E7E-BC24-7765C9F94AB7}"/>
+              </a:ext>
+            </a:extLst>
+          </p:cNvPr>
+          <p:cNvPicPr>
+            <a:picLocks noChangeAspect="1"/>
+          </p:cNvPicPr>
+          <p:nvPr>
+            <p:custDataLst>
+              <p:tags r:id="rId3"/>
+            </p:custDataLst>
+          </p:nvPr>
+        </p:nvPicPr>
+        <p:blipFill>
+          <a:blip r:embed="rId13"/>
+          <a:stretch>
+            <a:fillRect/>
+          </a:stretch>
+        </p:blipFill>
+        <p:spPr>
+          <a:xfrm>
+            <a:off x="3476490" y="1254224"/>
+            <a:ext cx="119888" cy="115824"/>
+          </a:xfrm>
+          <a:prstGeom prst="rect">
+            <a:avLst/>
+          </a:prstGeom>
+        </p:spPr>
+      </p:pic>
+      <p:pic>
+        <p:nvPicPr>
+          <p:cNvPr id="30" name="Picture 29" descr="\documentclass{article}&#10;\usepackage{amsmath}&#10;\pagestyle{empty}&#10;\begin{document}&#10;&#10;$r_1$&#10;&#10;&#10;\end{document}" title="IguanaTex Picture Display">
+            <a:extLst>
+              <a:ext uri="{FF2B5EF4-FFF2-40B4-BE49-F238E27FC236}">
+                <a16:creationId xmlns:a16="http://schemas.microsoft.com/office/drawing/2014/main" id="{9FB758AB-1903-7AF3-C4B9-F3BB3A58B649}"/>
+              </a:ext>
+            </a:extLst>
+          </p:cNvPr>
+          <p:cNvPicPr>
+            <a:picLocks noChangeAspect="1"/>
+          </p:cNvPicPr>
+          <p:nvPr>
+            <p:custDataLst>
+              <p:tags r:id="rId4"/>
+            </p:custDataLst>
+          </p:nvPr>
+        </p:nvPicPr>
+        <p:blipFill>
+          <a:blip r:embed="rId14"/>
+          <a:stretch>
+            <a:fillRect/>
+          </a:stretch>
+        </p:blipFill>
+        <p:spPr>
+          <a:xfrm>
+            <a:off x="2881484" y="968354"/>
+            <a:ext cx="191008" cy="148336"/>
+          </a:xfrm>
+          <a:prstGeom prst="rect">
+            <a:avLst/>
+          </a:prstGeom>
+        </p:spPr>
+      </p:pic>
+      <p:pic>
+        <p:nvPicPr>
+          <p:cNvPr id="33" name="Picture 32" descr="\documentclass{article}&#10;\usepackage{amsmath}&#10;\pagestyle{empty}&#10;\begin{document}&#10;&#10;$r_2$&#10;&#10;&#10;\end{document}" title="IguanaTex Picture Display">
+            <a:extLst>
+              <a:ext uri="{FF2B5EF4-FFF2-40B4-BE49-F238E27FC236}">
+                <a16:creationId xmlns:a16="http://schemas.microsoft.com/office/drawing/2014/main" id="{F76143EA-795D-E6A6-7BA6-61B9504F40F4}"/>
+              </a:ext>
+            </a:extLst>
+          </p:cNvPr>
+          <p:cNvPicPr>
+            <a:picLocks noChangeAspect="1"/>
+          </p:cNvPicPr>
+          <p:nvPr>
+            <p:custDataLst>
+              <p:tags r:id="rId5"/>
+            </p:custDataLst>
+          </p:nvPr>
+        </p:nvPicPr>
+        <p:blipFill>
+          <a:blip r:embed="rId15"/>
+          <a:stretch>
+            <a:fillRect/>
+          </a:stretch>
+        </p:blipFill>
+        <p:spPr>
+          <a:xfrm>
+            <a:off x="5027452" y="1254224"/>
+            <a:ext cx="197104" cy="148336"/>
+          </a:xfrm>
+          <a:prstGeom prst="rect">
+            <a:avLst/>
+          </a:prstGeom>
+        </p:spPr>
+      </p:pic>
+      <p:pic>
+        <p:nvPicPr>
+          <p:cNvPr id="35" name="Picture 34" descr="\documentclass{article}&#10;\usepackage{amsmath}&#10;\pagestyle{empty}&#10;\begin{document}&#10;&#10;&#10;$\hat{\boldsymbol{X}}$&#10;&#10;\end{document}" title="IguanaTex Picture Display">
+            <a:extLst>
+              <a:ext uri="{FF2B5EF4-FFF2-40B4-BE49-F238E27FC236}">
+                <a16:creationId xmlns:a16="http://schemas.microsoft.com/office/drawing/2014/main" id="{69BD0B39-3391-9DF9-2F80-2A429B04F262}"/>
+              </a:ext>
+            </a:extLst>
+          </p:cNvPr>
+          <p:cNvPicPr>
+            <a:picLocks noChangeAspect="1"/>
+          </p:cNvPicPr>
+          <p:nvPr>
+            <p:custDataLst>
+              <p:tags r:id="rId6"/>
+            </p:custDataLst>
+          </p:nvPr>
+        </p:nvPicPr>
+        <p:blipFill>
+          <a:blip r:embed="rId16"/>
+          <a:stretch>
+            <a:fillRect/>
+          </a:stretch>
+        </p:blipFill>
+        <p:spPr>
+          <a:xfrm>
+            <a:off x="3095704" y="2048136"/>
+            <a:ext cx="231648" cy="239776"/>
+          </a:xfrm>
+          <a:prstGeom prst="rect">
+            <a:avLst/>
+          </a:prstGeom>
+        </p:spPr>
+      </p:pic>
+      <p:pic>
+        <p:nvPicPr>
+          <p:cNvPr id="37" name="Picture 36" descr="\documentclass{article}&#10;\usepackage{amsmath}&#10;\pagestyle{empty}&#10;\begin{document}&#10;&#10;&#10;&#10;$\hat{\boldsymbol{Y}}$&#10;&#10;&#10;\end{document}" title="IguanaTex Picture Display">
+            <a:extLst>
+              <a:ext uri="{FF2B5EF4-FFF2-40B4-BE49-F238E27FC236}">
+                <a16:creationId xmlns:a16="http://schemas.microsoft.com/office/drawing/2014/main" id="{EA26399B-886C-9F92-EF72-1EBC746EE3BD}"/>
+              </a:ext>
+            </a:extLst>
+          </p:cNvPr>
+          <p:cNvPicPr>
+            <a:picLocks noChangeAspect="1"/>
+          </p:cNvPicPr>
+          <p:nvPr>
+            <p:custDataLst>
+              <p:tags r:id="rId7"/>
+            </p:custDataLst>
+          </p:nvPr>
+        </p:nvPicPr>
+        <p:blipFill>
+          <a:blip r:embed="rId17"/>
+          <a:stretch>
+            <a:fillRect/>
+          </a:stretch>
+        </p:blipFill>
+        <p:spPr>
+          <a:xfrm>
+            <a:off x="2059548" y="854079"/>
+            <a:ext cx="211328" cy="239776"/>
+          </a:xfrm>
+          <a:prstGeom prst="rect">
+            <a:avLst/>
+          </a:prstGeom>
+        </p:spPr>
+      </p:pic>
+      <p:pic>
+        <p:nvPicPr>
+          <p:cNvPr id="39" name="Picture 38" descr="\documentclass{article}&#10;\usepackage{amsmath}&#10;\pagestyle{empty}&#10;\begin{document}&#10;&#10;&#10;$\hat{\boldsymbol{Z}}$&#10;&#10;&#10;&#10;\end{document}" title="IguanaTex Picture Display">
+            <a:extLst>
+              <a:ext uri="{FF2B5EF4-FFF2-40B4-BE49-F238E27FC236}">
+                <a16:creationId xmlns:a16="http://schemas.microsoft.com/office/drawing/2014/main" id="{8BAEB230-8FBF-FE76-1D92-F78CFD838B2A}"/>
+              </a:ext>
+            </a:extLst>
+          </p:cNvPr>
+          <p:cNvPicPr>
+            <a:picLocks noChangeAspect="1"/>
+          </p:cNvPicPr>
+          <p:nvPr>
+            <p:custDataLst>
+              <p:tags r:id="rId8"/>
+            </p:custDataLst>
+          </p:nvPr>
+        </p:nvPicPr>
+        <p:blipFill>
+          <a:blip r:embed="rId18"/>
+          <a:stretch>
+            <a:fillRect/>
+          </a:stretch>
+        </p:blipFill>
+        <p:spPr>
+          <a:xfrm>
+            <a:off x="1917518" y="2137074"/>
+            <a:ext cx="186944" cy="239776"/>
+          </a:xfrm>
+          <a:prstGeom prst="rect">
+            <a:avLst/>
+          </a:prstGeom>
+        </p:spPr>
+      </p:pic>
+      <p:cxnSp>
+        <p:nvCxnSpPr>
+          <p:cNvPr id="40" name="直線矢印コネクタ 30 2">
+            <a:extLst>
+              <a:ext uri="{FF2B5EF4-FFF2-40B4-BE49-F238E27FC236}">
+                <a16:creationId xmlns:a16="http://schemas.microsoft.com/office/drawing/2014/main" id="{B276EDCA-B42C-179E-B877-ECEDF62B71AF}"/>
+              </a:ext>
+            </a:extLst>
+          </p:cNvPr>
+          <p:cNvCxnSpPr>
+            <a:cxnSpLocks/>
+            <a:endCxn id="29" idx="2"/>
+          </p:cNvCxnSpPr>
+          <p:nvPr/>
+        </p:nvCxnSpPr>
+        <p:spPr>
+          <a:xfrm flipV="1">
+            <a:off x="1525184" y="560268"/>
+            <a:ext cx="2957439" cy="1207767"/>
+          </a:xfrm>
+          <a:prstGeom prst="straightConnector1">
+            <a:avLst/>
+          </a:prstGeom>
+          <a:ln>
+            <a:tailEnd type="triangle"/>
+          </a:ln>
+        </p:spPr>
+        <p:style>
+          <a:lnRef idx="2">
+            <a:schemeClr val="dk1"/>
+          </a:lnRef>
+          <a:fillRef idx="0">
+            <a:schemeClr val="dk1"/>
+          </a:fillRef>
+          <a:effectRef idx="1">
+            <a:schemeClr val="dk1"/>
+          </a:effectRef>
+          <a:fontRef idx="minor">
+            <a:schemeClr val="tx1"/>
+          </a:fontRef>
+        </p:style>
+      </p:cxnSp>
+      <p:pic>
+        <p:nvPicPr>
+          <p:cNvPr id="58" name="Picture 57" descr="\documentclass{article}&#10;\usepackage{amsmath}&#10;\pagestyle{empty}&#10;\begin{document}&#10;&#10;&#10;$P_3$&#10;&#10;\end{document}" title="IguanaTex Picture Display">
+            <a:extLst>
+              <a:ext uri="{FF2B5EF4-FFF2-40B4-BE49-F238E27FC236}">
+                <a16:creationId xmlns:a16="http://schemas.microsoft.com/office/drawing/2014/main" id="{40695B95-F05A-7904-1F56-B194611CBE85}"/>
+              </a:ext>
+            </a:extLst>
+          </p:cNvPr>
+          <p:cNvPicPr>
+            <a:picLocks noChangeAspect="1"/>
+          </p:cNvPicPr>
+          <p:nvPr>
+            <p:custDataLst>
+              <p:tags r:id="rId9"/>
+            </p:custDataLst>
+          </p:nvPr>
+        </p:nvPicPr>
+        <p:blipFill>
+          <a:blip r:embed="rId19"/>
+          <a:stretch>
+            <a:fillRect/>
+          </a:stretch>
+        </p:blipFill>
+        <p:spPr>
+          <a:xfrm>
+            <a:off x="4452143" y="264534"/>
+            <a:ext cx="243840" cy="213360"/>
+          </a:xfrm>
+          <a:prstGeom prst="rect">
+            <a:avLst/>
+          </a:prstGeom>
+        </p:spPr>
+      </p:pic>
     </p:spTree>
     <p:extLst>
       <p:ext uri="{BB962C8B-B14F-4D97-AF65-F5344CB8AC3E}">
@@ -4406,6 +4278,204 @@
     <a:masterClrMapping/>
   </p:clrMapOvr>
 </p:sld>
+</file>
+
+<file path=ppt/tags/tag1.xml><?xml version="1.0" encoding="utf-8"?>
+<p:tagLst xmlns:a="http://schemas.openxmlformats.org/drawingml/2006/main" xmlns:r="http://schemas.openxmlformats.org/officeDocument/2006/relationships" xmlns:p="http://schemas.openxmlformats.org/presentationml/2006/main">
+  <p:tag name="OUTPUTDPI" val=" 1200"/>
+  <p:tag name="ORIGINALHEIGHT" val=" 103"/>
+  <p:tag name="ORIGINALWIDTH" val=" 120"/>
+  <p:tag name="OUTPUTTYPE" val="PNG"/>
+  <p:tag name="IGUANATEXVERSION" val="162"/>
+  <p:tag name="LATEXADDIN" val="\documentclass{article}&#10;\usepackage{amsmath}&#10;\pagestyle{empty}&#10;\begin{document}&#10;&#10;$P_2$&#10;&#10;&#10;\end{document}"/>
+  <p:tag name="IGUANATEXSIZE" val="20"/>
+  <p:tag name="IGUANATEXCURSOR" val="83"/>
+  <p:tag name="TRANSPARENCY" val="True"/>
+  <p:tag name="CHOOSECOLOR" val="False"/>
+  <p:tag name="COLORHEX" val="000000"/>
+  <p:tag name="LATEXENGINEID" val="0"/>
+  <p:tag name="TEMPFOLDER" val="/Users/darin/Library/Containers/com.microsoft.Powerpoint/Data/tmp/TemporaryItems/"/>
+  <p:tag name="LATEXFORMHEIGHT" val=" 426.65"/>
+  <p:tag name="LATEXFORMWIDTH" val=" 513.35"/>
+  <p:tag name="LATEXFORMWRAP" val="True"/>
+  <p:tag name="BITMAPVECTOR" val="0"/>
+</p:tagLst>
+</file>
+
+<file path=ppt/tags/tag2.xml><?xml version="1.0" encoding="utf-8"?>
+<p:tagLst xmlns:a="http://schemas.openxmlformats.org/drawingml/2006/main" xmlns:r="http://schemas.openxmlformats.org/officeDocument/2006/relationships" xmlns:p="http://schemas.openxmlformats.org/presentationml/2006/main">
+  <p:tag name="OUTPUTDPI" val=" 1200"/>
+  <p:tag name="ORIGINALHEIGHT" val=" 103"/>
+  <p:tag name="ORIGINALWIDTH" val=" 117"/>
+  <p:tag name="OUTPUTTYPE" val="PNG"/>
+  <p:tag name="IGUANATEXVERSION" val="162"/>
+  <p:tag name="LATEXADDIN" val="\documentclass{article}&#10;\usepackage{amsmath}&#10;\pagestyle{empty}&#10;\begin{document}&#10;&#10;&#10;$P_1$&#10;&#10;\end{document}"/>
+  <p:tag name="IGUANATEXSIZE" val="20"/>
+  <p:tag name="IGUANATEXCURSOR" val="84"/>
+  <p:tag name="TRANSPARENCY" val="True"/>
+  <p:tag name="CHOOSECOLOR" val="False"/>
+  <p:tag name="COLORHEX" val="000000"/>
+  <p:tag name="LATEXENGINEID" val="0"/>
+  <p:tag name="TEMPFOLDER" val="/Users/darin/Library/Containers/com.microsoft.Powerpoint/Data/tmp/TemporaryItems/"/>
+  <p:tag name="LATEXFORMHEIGHT" val=" 426.65"/>
+  <p:tag name="LATEXFORMWIDTH" val=" 513.35"/>
+  <p:tag name="LATEXFORMWRAP" val="True"/>
+  <p:tag name="BITMAPVECTOR" val="0"/>
+</p:tagLst>
+</file>
+
+<file path=ppt/tags/tag3.xml><?xml version="1.0" encoding="utf-8"?>
+<p:tagLst xmlns:a="http://schemas.openxmlformats.org/drawingml/2006/main" xmlns:r="http://schemas.openxmlformats.org/officeDocument/2006/relationships" xmlns:p="http://schemas.openxmlformats.org/presentationml/2006/main">
+  <p:tag name="OUTPUTDPI" val=" 1200"/>
+  <p:tag name="ORIGINALHEIGHT" val=" 57"/>
+  <p:tag name="ORIGINALWIDTH" val=" 59"/>
+  <p:tag name="OUTPUTTYPE" val="PNG"/>
+  <p:tag name="IGUANATEXVERSION" val="162"/>
+  <p:tag name="LATEXADDIN" val="\documentclass{article}&#10;\usepackage{amsmath}&#10;\pagestyle{empty}&#10;\begin{document}&#10;&#10;&#10;$\boldsymbol{r}$&#10;&#10;\end{document}"/>
+  <p:tag name="IGUANATEXSIZE" val="20"/>
+  <p:tag name="IGUANATEXCURSOR" val="94"/>
+  <p:tag name="TRANSPARENCY" val="True"/>
+  <p:tag name="CHOOSECOLOR" val="False"/>
+  <p:tag name="COLORHEX" val="000000"/>
+  <p:tag name="LATEXENGINEID" val="0"/>
+  <p:tag name="TEMPFOLDER" val="/Users/darin/Library/Containers/com.microsoft.Powerpoint/Data/tmp/TemporaryItems/"/>
+  <p:tag name="LATEXFORMHEIGHT" val=" 426.65"/>
+  <p:tag name="LATEXFORMWIDTH" val=" 513.35"/>
+  <p:tag name="LATEXFORMWRAP" val="True"/>
+  <p:tag name="BITMAPVECTOR" val="0"/>
+</p:tagLst>
+</file>
+
+<file path=ppt/tags/tag4.xml><?xml version="1.0" encoding="utf-8"?>
+<p:tagLst xmlns:a="http://schemas.openxmlformats.org/drawingml/2006/main" xmlns:r="http://schemas.openxmlformats.org/officeDocument/2006/relationships" xmlns:p="http://schemas.openxmlformats.org/presentationml/2006/main">
+  <p:tag name="OUTPUTDPI" val=" 1200"/>
+  <p:tag name="ORIGINALHEIGHT" val=" 73"/>
+  <p:tag name="ORIGINALWIDTH" val=" 94"/>
+  <p:tag name="OUTPUTTYPE" val="PNG"/>
+  <p:tag name="IGUANATEXVERSION" val="162"/>
+  <p:tag name="LATEXADDIN" val="\documentclass{article}&#10;\usepackage{amsmath}&#10;\pagestyle{empty}&#10;\begin{document}&#10;&#10;$r_1$&#10;&#10;&#10;\end{document}"/>
+  <p:tag name="IGUANATEXSIZE" val="20"/>
+  <p:tag name="IGUANATEXCURSOR" val="86"/>
+  <p:tag name="TRANSPARENCY" val="True"/>
+  <p:tag name="CHOOSECOLOR" val="False"/>
+  <p:tag name="COLORHEX" val="000000"/>
+  <p:tag name="LATEXENGINEID" val="0"/>
+  <p:tag name="TEMPFOLDER" val="/Users/darin/Library/Containers/com.microsoft.Powerpoint/Data/tmp/TemporaryItems/"/>
+  <p:tag name="LATEXFORMHEIGHT" val=" 426.65"/>
+  <p:tag name="LATEXFORMWIDTH" val=" 513.35"/>
+  <p:tag name="LATEXFORMWRAP" val="True"/>
+  <p:tag name="BITMAPVECTOR" val="0"/>
+</p:tagLst>
+</file>
+
+<file path=ppt/tags/tag5.xml><?xml version="1.0" encoding="utf-8"?>
+<p:tagLst xmlns:a="http://schemas.openxmlformats.org/drawingml/2006/main" xmlns:r="http://schemas.openxmlformats.org/officeDocument/2006/relationships" xmlns:p="http://schemas.openxmlformats.org/presentationml/2006/main">
+  <p:tag name="OUTPUTDPI" val=" 1200"/>
+  <p:tag name="ORIGINALHEIGHT" val=" 73"/>
+  <p:tag name="ORIGINALWIDTH" val=" 97"/>
+  <p:tag name="OUTPUTTYPE" val="PNG"/>
+  <p:tag name="IGUANATEXVERSION" val="162"/>
+  <p:tag name="LATEXADDIN" val="\documentclass{article}&#10;\usepackage{amsmath}&#10;\pagestyle{empty}&#10;\begin{document}&#10;&#10;$r_2$&#10;&#10;&#10;\end{document}"/>
+  <p:tag name="IGUANATEXSIZE" val="20"/>
+  <p:tag name="IGUANATEXCURSOR" val="86"/>
+  <p:tag name="TRANSPARENCY" val="True"/>
+  <p:tag name="CHOOSECOLOR" val="False"/>
+  <p:tag name="COLORHEX" val="000000"/>
+  <p:tag name="LATEXENGINEID" val="0"/>
+  <p:tag name="TEMPFOLDER" val="/Users/darin/Library/Containers/com.microsoft.Powerpoint/Data/tmp/TemporaryItems/"/>
+  <p:tag name="LATEXFORMHEIGHT" val=" 426.65"/>
+  <p:tag name="LATEXFORMWIDTH" val=" 513.35"/>
+  <p:tag name="LATEXFORMWRAP" val="True"/>
+  <p:tag name="BITMAPVECTOR" val="0"/>
+</p:tagLst>
+</file>
+
+<file path=ppt/tags/tag6.xml><?xml version="1.0" encoding="utf-8"?>
+<p:tagLst xmlns:a="http://schemas.openxmlformats.org/drawingml/2006/main" xmlns:r="http://schemas.openxmlformats.org/officeDocument/2006/relationships" xmlns:p="http://schemas.openxmlformats.org/presentationml/2006/main">
+  <p:tag name="OUTPUTDPI" val=" 1200"/>
+  <p:tag name="ORIGINALHEIGHT" val=" 118"/>
+  <p:tag name="ORIGINALWIDTH" val=" 114"/>
+  <p:tag name="OUTPUTTYPE" val="PNG"/>
+  <p:tag name="IGUANATEXVERSION" val="162"/>
+  <p:tag name="LATEXADDIN" val="\documentclass{article}&#10;\usepackage{amsmath}&#10;\pagestyle{empty}&#10;\begin{document}&#10;&#10;&#10;$\hat{\boldsymbol{X}}$&#10;&#10;\end{document}"/>
+  <p:tag name="IGUANATEXSIZE" val="20"/>
+  <p:tag name="IGUANATEXCURSOR" val="81"/>
+  <p:tag name="TRANSPARENCY" val="True"/>
+  <p:tag name="CHOOSECOLOR" val="False"/>
+  <p:tag name="COLORHEX" val="000000"/>
+  <p:tag name="LATEXENGINEID" val="0"/>
+  <p:tag name="TEMPFOLDER" val="/Users/darin/Library/Containers/com.microsoft.Powerpoint/Data/tmp/TemporaryItems/"/>
+  <p:tag name="LATEXFORMHEIGHT" val=" 426.65"/>
+  <p:tag name="LATEXFORMWIDTH" val=" 513.35"/>
+  <p:tag name="LATEXFORMWRAP" val="True"/>
+  <p:tag name="BITMAPVECTOR" val="0"/>
+</p:tagLst>
+</file>
+
+<file path=ppt/tags/tag7.xml><?xml version="1.0" encoding="utf-8"?>
+<p:tagLst xmlns:a="http://schemas.openxmlformats.org/drawingml/2006/main" xmlns:r="http://schemas.openxmlformats.org/officeDocument/2006/relationships" xmlns:p="http://schemas.openxmlformats.org/presentationml/2006/main">
+  <p:tag name="OUTPUTDPI" val=" 1200"/>
+  <p:tag name="ORIGINALHEIGHT" val=" 118"/>
+  <p:tag name="ORIGINALWIDTH" val=" 104"/>
+  <p:tag name="OUTPUTTYPE" val="PNG"/>
+  <p:tag name="IGUANATEXVERSION" val="162"/>
+  <p:tag name="LATEXADDIN" val="\documentclass{article}&#10;\usepackage{amsmath}&#10;\pagestyle{empty}&#10;\begin{document}&#10;&#10;&#10;&#10;$\hat{\boldsymbol{Y}}$&#10;&#10;&#10;\end{document}"/>
+  <p:tag name="IGUANATEXSIZE" val="20"/>
+  <p:tag name="IGUANATEXCURSOR" val="103"/>
+  <p:tag name="TRANSPARENCY" val="True"/>
+  <p:tag name="CHOOSECOLOR" val="False"/>
+  <p:tag name="COLORHEX" val="000000"/>
+  <p:tag name="LATEXENGINEID" val="0"/>
+  <p:tag name="TEMPFOLDER" val="/Users/darin/Library/Containers/com.microsoft.Powerpoint/Data/tmp/TemporaryItems/"/>
+  <p:tag name="LATEXFORMHEIGHT" val=" 426.65"/>
+  <p:tag name="LATEXFORMWIDTH" val=" 513.35"/>
+  <p:tag name="LATEXFORMWRAP" val="True"/>
+  <p:tag name="BITMAPVECTOR" val="0"/>
+</p:tagLst>
+</file>
+
+<file path=ppt/tags/tag8.xml><?xml version="1.0" encoding="utf-8"?>
+<p:tagLst xmlns:a="http://schemas.openxmlformats.org/drawingml/2006/main" xmlns:r="http://schemas.openxmlformats.org/officeDocument/2006/relationships" xmlns:p="http://schemas.openxmlformats.org/presentationml/2006/main">
+  <p:tag name="OUTPUTDPI" val=" 1200"/>
+  <p:tag name="ORIGINALHEIGHT" val=" 118"/>
+  <p:tag name="ORIGINALWIDTH" val=" 92"/>
+  <p:tag name="OUTPUTTYPE" val="PNG"/>
+  <p:tag name="IGUANATEXVERSION" val="162"/>
+  <p:tag name="LATEXADDIN" val="\documentclass{article}&#10;\usepackage{amsmath}&#10;\pagestyle{empty}&#10;\begin{document}&#10;&#10;&#10;$\hat{\boldsymbol{Z}}$&#10;&#10;&#10;&#10;\end{document}"/>
+  <p:tag name="IGUANATEXSIZE" val="20"/>
+  <p:tag name="IGUANATEXCURSOR" val="101"/>
+  <p:tag name="TRANSPARENCY" val="True"/>
+  <p:tag name="CHOOSECOLOR" val="False"/>
+  <p:tag name="COLORHEX" val="000000"/>
+  <p:tag name="LATEXENGINEID" val="0"/>
+  <p:tag name="TEMPFOLDER" val="/Users/darin/Library/Containers/com.microsoft.Powerpoint/Data/tmp/TemporaryItems/"/>
+  <p:tag name="LATEXFORMHEIGHT" val=" 426.65"/>
+  <p:tag name="LATEXFORMWIDTH" val=" 513.35"/>
+  <p:tag name="LATEXFORMWRAP" val="True"/>
+  <p:tag name="BITMAPVECTOR" val="0"/>
+</p:tagLst>
+</file>
+
+<file path=ppt/tags/tag9.xml><?xml version="1.0" encoding="utf-8"?>
+<p:tagLst xmlns:a="http://schemas.openxmlformats.org/drawingml/2006/main" xmlns:r="http://schemas.openxmlformats.org/officeDocument/2006/relationships" xmlns:p="http://schemas.openxmlformats.org/presentationml/2006/main">
+  <p:tag name="OUTPUTDPI" val=" 1200"/>
+  <p:tag name="ORIGINALHEIGHT" val=" 105"/>
+  <p:tag name="ORIGINALWIDTH" val=" 120"/>
+  <p:tag name="OUTPUTTYPE" val="PNG"/>
+  <p:tag name="IGUANATEXVERSION" val="162"/>
+  <p:tag name="LATEXADDIN" val="\documentclass{article}&#10;\usepackage{amsmath}&#10;\pagestyle{empty}&#10;\begin{document}&#10;&#10;&#10;$P_3$&#10;&#10;\end{document}"/>
+  <p:tag name="IGUANATEXSIZE" val="20"/>
+  <p:tag name="IGUANATEXCURSOR" val="86"/>
+  <p:tag name="TRANSPARENCY" val="True"/>
+  <p:tag name="CHOOSECOLOR" val="False"/>
+  <p:tag name="COLORHEX" val="000000"/>
+  <p:tag name="LATEXENGINEID" val="0"/>
+  <p:tag name="TEMPFOLDER" val="/Users/darin/Library/Containers/com.microsoft.Powerpoint/Data/tmp/TemporaryItems/"/>
+  <p:tag name="LATEXFORMHEIGHT" val=" 426.65"/>
+  <p:tag name="LATEXFORMWIDTH" val=" 513.35"/>
+  <p:tag name="LATEXFORMWRAP" val="True"/>
+  <p:tag name="BITMAPVECTOR" val="0"/>
+</p:tagLst>
 </file>
 
 <file path=ppt/theme/theme1.xml><?xml version="1.0" encoding="utf-8"?>
